--- a/Transformer/Attention is all you need.pptx
+++ b/Transformer/Attention is all you need.pptx
@@ -7,7 +7,14 @@
   <p:sldIdLst>
     <p:sldId id="256" r:id="rId2"/>
     <p:sldId id="258" r:id="rId3"/>
-    <p:sldId id="259" r:id="rId4"/>
+    <p:sldId id="260" r:id="rId4"/>
+    <p:sldId id="259" r:id="rId5"/>
+    <p:sldId id="261" r:id="rId6"/>
+    <p:sldId id="262" r:id="rId7"/>
+    <p:sldId id="263" r:id="rId8"/>
+    <p:sldId id="264" r:id="rId9"/>
+    <p:sldId id="265" r:id="rId10"/>
+    <p:sldId id="266" r:id="rId11"/>
   </p:sldIdLst>
   <p:sldSz cx="12192000" cy="6858000"/>
   <p:notesSz cx="6858000" cy="9144000"/>
@@ -106,6 +113,11 @@
       </a:defRPr>
     </a:lvl9pPr>
   </p:defaultTextStyle>
+  <p:extLst>
+    <p:ext uri="{EFAFB233-063F-42B5-8137-9DF3F51BA10A}">
+      <p15:sldGuideLst xmlns:p15="http://schemas.microsoft.com/office/powerpoint/2012/main"/>
+    </p:ext>
+  </p:extLst>
 </p:presentation>
 </file>
 
@@ -3062,7 +3074,6 @@
               <a:rPr lang="en-US" altLang="ko-KR" dirty="0" smtClean="0"/>
               <a:t>NIPS 2017</a:t>
             </a:r>
-            <a:endParaRPr lang="en-US" altLang="ko-KR" dirty="0" smtClean="0"/>
           </a:p>
           <a:p>
             <a:pPr lvl="0">
@@ -3082,6 +3093,133 @@
     <p:extLst>
       <p:ext uri="{BB962C8B-B14F-4D97-AF65-F5344CB8AC3E}">
         <p14:creationId xmlns:p14="http://schemas.microsoft.com/office/powerpoint/2010/main" val="4134776707"/>
+      </p:ext>
+    </p:extLst>
+  </p:cSld>
+  <p:clrMapOvr>
+    <a:masterClrMapping/>
+  </p:clrMapOvr>
+  <p:timing>
+    <p:tnLst>
+      <p:par>
+        <p:cTn id="1" dur="indefinite" restart="never" nodeType="tmRoot"/>
+      </p:par>
+    </p:tnLst>
+  </p:timing>
+</p:sld>
+</file>
+
+<file path=ppt/slides/slide10.xml><?xml version="1.0" encoding="utf-8"?>
+<p:sld xmlns:a="http://schemas.openxmlformats.org/drawingml/2006/main" xmlns:r="http://schemas.openxmlformats.org/officeDocument/2006/relationships" xmlns:p="http://schemas.openxmlformats.org/presentationml/2006/main">
+  <p:cSld>
+    <p:spTree>
+      <p:nvGrpSpPr>
+        <p:cNvPr id="1" name=""/>
+        <p:cNvGrpSpPr/>
+        <p:nvPr/>
+      </p:nvGrpSpPr>
+      <p:grpSpPr>
+        <a:xfrm>
+          <a:off x="0" y="0"/>
+          <a:ext cx="0" cy="0"/>
+          <a:chOff x="0" y="0"/>
+          <a:chExt cx="0" cy="0"/>
+        </a:xfrm>
+      </p:grpSpPr>
+      <p:sp>
+        <p:nvSpPr>
+          <p:cNvPr id="2" name="제목 1"/>
+          <p:cNvSpPr>
+            <a:spLocks noGrp="1"/>
+          </p:cNvSpPr>
+          <p:nvPr>
+            <p:ph type="title"/>
+          </p:nvPr>
+        </p:nvSpPr>
+        <p:spPr/>
+        <p:txBody>
+          <a:bodyPr/>
+          <a:lstStyle/>
+          <a:p>
+            <a:r>
+              <a:rPr lang="en-US" altLang="ko-KR" dirty="0" smtClean="0"/>
+              <a:t>Decoding parts</a:t>
+            </a:r>
+            <a:endParaRPr lang="ko-KR" altLang="en-US" dirty="0"/>
+          </a:p>
+        </p:txBody>
+      </p:sp>
+      <p:sp>
+        <p:nvSpPr>
+          <p:cNvPr id="3" name="내용 개체 틀 2"/>
+          <p:cNvSpPr>
+            <a:spLocks noGrp="1"/>
+          </p:cNvSpPr>
+          <p:nvPr>
+            <p:ph idx="1"/>
+          </p:nvPr>
+        </p:nvSpPr>
+        <p:spPr/>
+        <p:txBody>
+          <a:bodyPr/>
+          <a:lstStyle/>
+          <a:p>
+            <a:endParaRPr lang="ko-KR" altLang="en-US"/>
+          </a:p>
+        </p:txBody>
+      </p:sp>
+      <p:pic>
+        <p:nvPicPr>
+          <p:cNvPr id="4" name="그림 3"/>
+          <p:cNvPicPr>
+            <a:picLocks noChangeAspect="1"/>
+          </p:cNvPicPr>
+          <p:nvPr/>
+        </p:nvPicPr>
+        <p:blipFill>
+          <a:blip r:embed="rId2"/>
+          <a:stretch>
+            <a:fillRect/>
+          </a:stretch>
+        </p:blipFill>
+        <p:spPr>
+          <a:xfrm>
+            <a:off x="838200" y="1690688"/>
+            <a:ext cx="1701635" cy="4925786"/>
+          </a:xfrm>
+          <a:prstGeom prst="rect">
+            <a:avLst/>
+          </a:prstGeom>
+        </p:spPr>
+      </p:pic>
+      <p:pic>
+        <p:nvPicPr>
+          <p:cNvPr id="6" name="그림 5"/>
+          <p:cNvPicPr>
+            <a:picLocks noChangeAspect="1"/>
+          </p:cNvPicPr>
+          <p:nvPr/>
+        </p:nvPicPr>
+        <p:blipFill>
+          <a:blip r:embed="rId3"/>
+          <a:stretch>
+            <a:fillRect/>
+          </a:stretch>
+        </p:blipFill>
+        <p:spPr>
+          <a:xfrm>
+            <a:off x="3497160" y="1690688"/>
+            <a:ext cx="7715250" cy="4391025"/>
+          </a:xfrm>
+          <a:prstGeom prst="rect">
+            <a:avLst/>
+          </a:prstGeom>
+        </p:spPr>
+      </p:pic>
+    </p:spTree>
+    <p:extLst>
+      <p:ext uri="{BB962C8B-B14F-4D97-AF65-F5344CB8AC3E}">
+        <p14:creationId xmlns:p14="http://schemas.microsoft.com/office/powerpoint/2010/main" val="1672885670"/>
       </p:ext>
     </p:extLst>
   </p:cSld>
@@ -3153,8 +3291,9 @@
           <a:p>
             <a:r>
               <a:rPr lang="en-US" altLang="ko-KR" dirty="0" smtClean="0"/>
-              <a:t>RNN with attention(seq2seq with attention)</a:t>
-            </a:r>
+              <a:t>RNN</a:t>
+            </a:r>
+            <a:endParaRPr lang="en-US" altLang="ko-KR" dirty="0" smtClean="0"/>
           </a:p>
           <a:p>
             <a:endParaRPr lang="en-US" altLang="ko-KR" dirty="0"/>
@@ -3175,16 +3314,10 @@
             <a:endParaRPr lang="en-US" altLang="ko-KR" dirty="0" smtClean="0"/>
           </a:p>
           <a:p>
+            <a:pPr marL="0" indent="0">
+              <a:buNone/>
+            </a:pPr>
             <a:endParaRPr lang="en-US" altLang="ko-KR" dirty="0"/>
-          </a:p>
-          <a:p>
-            <a:r>
-              <a:rPr lang="en-US" altLang="ko-KR" dirty="0" smtClean="0"/>
-              <a:t>This is SLOW</a:t>
-            </a:r>
-          </a:p>
-          <a:p>
-            <a:endParaRPr lang="ko-KR" altLang="en-US" dirty="0"/>
           </a:p>
         </p:txBody>
       </p:sp>
@@ -4303,258 +4436,6 @@
               <a:rPr lang="en-US" altLang="ko-KR" dirty="0" smtClean="0"/>
               <a:t>Start</a:t>
             </a:r>
-          </a:p>
-        </p:txBody>
-      </p:sp>
-      <p:sp>
-        <p:nvSpPr>
-          <p:cNvPr id="46" name="위쪽 화살표 45"/>
-          <p:cNvSpPr/>
-          <p:nvPr/>
-        </p:nvSpPr>
-        <p:spPr>
-          <a:xfrm>
-            <a:off x="1930227" y="3101072"/>
-            <a:ext cx="159609" cy="366821"/>
-          </a:xfrm>
-          <a:prstGeom prst="upArrow">
-            <a:avLst/>
-          </a:prstGeom>
-        </p:spPr>
-        <p:style>
-          <a:lnRef idx="2">
-            <a:schemeClr val="accent1">
-              <a:shade val="50000"/>
-            </a:schemeClr>
-          </a:lnRef>
-          <a:fillRef idx="1">
-            <a:schemeClr val="accent1"/>
-          </a:fillRef>
-          <a:effectRef idx="0">
-            <a:schemeClr val="accent1"/>
-          </a:effectRef>
-          <a:fontRef idx="minor">
-            <a:schemeClr val="lt1"/>
-          </a:fontRef>
-        </p:style>
-        <p:txBody>
-          <a:bodyPr rtlCol="0" anchor="ctr"/>
-          <a:lstStyle/>
-          <a:p>
-            <a:pPr algn="ctr"/>
-            <a:endParaRPr lang="ko-KR" altLang="en-US"/>
-          </a:p>
-        </p:txBody>
-      </p:sp>
-      <p:sp>
-        <p:nvSpPr>
-          <p:cNvPr id="47" name="위쪽 화살표 46"/>
-          <p:cNvSpPr/>
-          <p:nvPr/>
-        </p:nvSpPr>
-        <p:spPr>
-          <a:xfrm>
-            <a:off x="3327056" y="3096813"/>
-            <a:ext cx="159609" cy="366821"/>
-          </a:xfrm>
-          <a:prstGeom prst="upArrow">
-            <a:avLst/>
-          </a:prstGeom>
-        </p:spPr>
-        <p:style>
-          <a:lnRef idx="2">
-            <a:schemeClr val="accent1">
-              <a:shade val="50000"/>
-            </a:schemeClr>
-          </a:lnRef>
-          <a:fillRef idx="1">
-            <a:schemeClr val="accent1"/>
-          </a:fillRef>
-          <a:effectRef idx="0">
-            <a:schemeClr val="accent1"/>
-          </a:effectRef>
-          <a:fontRef idx="minor">
-            <a:schemeClr val="lt1"/>
-          </a:fontRef>
-        </p:style>
-        <p:txBody>
-          <a:bodyPr rtlCol="0" anchor="ctr"/>
-          <a:lstStyle/>
-          <a:p>
-            <a:pPr algn="ctr"/>
-            <a:endParaRPr lang="ko-KR" altLang="en-US"/>
-          </a:p>
-        </p:txBody>
-      </p:sp>
-      <p:sp>
-        <p:nvSpPr>
-          <p:cNvPr id="48" name="위쪽 화살표 47"/>
-          <p:cNvSpPr/>
-          <p:nvPr/>
-        </p:nvSpPr>
-        <p:spPr>
-          <a:xfrm>
-            <a:off x="4759924" y="3094025"/>
-            <a:ext cx="159609" cy="366821"/>
-          </a:xfrm>
-          <a:prstGeom prst="upArrow">
-            <a:avLst/>
-          </a:prstGeom>
-        </p:spPr>
-        <p:style>
-          <a:lnRef idx="2">
-            <a:schemeClr val="accent1">
-              <a:shade val="50000"/>
-            </a:schemeClr>
-          </a:lnRef>
-          <a:fillRef idx="1">
-            <a:schemeClr val="accent1"/>
-          </a:fillRef>
-          <a:effectRef idx="0">
-            <a:schemeClr val="accent1"/>
-          </a:effectRef>
-          <a:fontRef idx="minor">
-            <a:schemeClr val="lt1"/>
-          </a:fontRef>
-        </p:style>
-        <p:txBody>
-          <a:bodyPr rtlCol="0" anchor="ctr"/>
-          <a:lstStyle/>
-          <a:p>
-            <a:pPr algn="ctr"/>
-            <a:endParaRPr lang="ko-KR" altLang="en-US"/>
-          </a:p>
-        </p:txBody>
-      </p:sp>
-      <p:sp>
-        <p:nvSpPr>
-          <p:cNvPr id="49" name="직사각형 48"/>
-          <p:cNvSpPr/>
-          <p:nvPr/>
-        </p:nvSpPr>
-        <p:spPr>
-          <a:xfrm>
-            <a:off x="1447801" y="2844922"/>
-            <a:ext cx="1124465" cy="256150"/>
-          </a:xfrm>
-          <a:prstGeom prst="rect">
-            <a:avLst/>
-          </a:prstGeom>
-        </p:spPr>
-        <p:style>
-          <a:lnRef idx="2">
-            <a:schemeClr val="accent1">
-              <a:shade val="50000"/>
-            </a:schemeClr>
-          </a:lnRef>
-          <a:fillRef idx="1">
-            <a:schemeClr val="accent1"/>
-          </a:fillRef>
-          <a:effectRef idx="0">
-            <a:schemeClr val="accent1"/>
-          </a:effectRef>
-          <a:fontRef idx="minor">
-            <a:schemeClr val="lt1"/>
-          </a:fontRef>
-        </p:style>
-        <p:txBody>
-          <a:bodyPr rtlCol="0" anchor="ctr"/>
-          <a:lstStyle/>
-          <a:p>
-            <a:pPr algn="ctr"/>
-            <a:r>
-              <a:rPr lang="en-US" altLang="ko-KR" dirty="0" smtClean="0"/>
-              <a:t>Score 1</a:t>
-            </a:r>
-            <a:endParaRPr lang="ko-KR" altLang="en-US" dirty="0"/>
-          </a:p>
-        </p:txBody>
-      </p:sp>
-      <p:sp>
-        <p:nvSpPr>
-          <p:cNvPr id="50" name="직사각형 49"/>
-          <p:cNvSpPr/>
-          <p:nvPr/>
-        </p:nvSpPr>
-        <p:spPr>
-          <a:xfrm>
-            <a:off x="4269773" y="2853159"/>
-            <a:ext cx="1124465" cy="256150"/>
-          </a:xfrm>
-          <a:prstGeom prst="rect">
-            <a:avLst/>
-          </a:prstGeom>
-        </p:spPr>
-        <p:style>
-          <a:lnRef idx="2">
-            <a:schemeClr val="accent1">
-              <a:shade val="50000"/>
-            </a:schemeClr>
-          </a:lnRef>
-          <a:fillRef idx="1">
-            <a:schemeClr val="accent1"/>
-          </a:fillRef>
-          <a:effectRef idx="0">
-            <a:schemeClr val="accent1"/>
-          </a:effectRef>
-          <a:fontRef idx="minor">
-            <a:schemeClr val="lt1"/>
-          </a:fontRef>
-        </p:style>
-        <p:txBody>
-          <a:bodyPr rtlCol="0" anchor="ctr"/>
-          <a:lstStyle/>
-          <a:p>
-            <a:pPr algn="ctr"/>
-            <a:r>
-              <a:rPr lang="en-US" altLang="ko-KR" dirty="0" smtClean="0"/>
-              <a:t>Score 3</a:t>
-            </a:r>
-            <a:endParaRPr lang="ko-KR" altLang="en-US" dirty="0"/>
-          </a:p>
-        </p:txBody>
-      </p:sp>
-      <p:sp>
-        <p:nvSpPr>
-          <p:cNvPr id="51" name="직사각형 50"/>
-          <p:cNvSpPr/>
-          <p:nvPr/>
-        </p:nvSpPr>
-        <p:spPr>
-          <a:xfrm>
-            <a:off x="2889937" y="2842573"/>
-            <a:ext cx="1124465" cy="256150"/>
-          </a:xfrm>
-          <a:prstGeom prst="rect">
-            <a:avLst/>
-          </a:prstGeom>
-        </p:spPr>
-        <p:style>
-          <a:lnRef idx="2">
-            <a:schemeClr val="accent1">
-              <a:shade val="50000"/>
-            </a:schemeClr>
-          </a:lnRef>
-          <a:fillRef idx="1">
-            <a:schemeClr val="accent1"/>
-          </a:fillRef>
-          <a:effectRef idx="0">
-            <a:schemeClr val="accent1"/>
-          </a:effectRef>
-          <a:fontRef idx="minor">
-            <a:schemeClr val="lt1"/>
-          </a:fontRef>
-        </p:style>
-        <p:txBody>
-          <a:bodyPr rtlCol="0" anchor="ctr"/>
-          <a:lstStyle/>
-          <a:p>
-            <a:pPr algn="ctr"/>
-            <a:r>
-              <a:rPr lang="en-US" altLang="ko-KR" dirty="0" smtClean="0"/>
-              <a:t>Score 2</a:t>
-            </a:r>
-            <a:endParaRPr lang="ko-KR" altLang="en-US" dirty="0"/>
           </a:p>
         </p:txBody>
       </p:sp>
@@ -4612,6 +4493,1494 @@
           <a:p>
             <a:r>
               <a:rPr lang="en-US" altLang="ko-KR" dirty="0" smtClean="0"/>
+              <a:t>Transformer ?</a:t>
+            </a:r>
+            <a:endParaRPr lang="ko-KR" altLang="en-US" dirty="0"/>
+          </a:p>
+        </p:txBody>
+      </p:sp>
+      <p:sp>
+        <p:nvSpPr>
+          <p:cNvPr id="3" name="내용 개체 틀 2"/>
+          <p:cNvSpPr>
+            <a:spLocks noGrp="1"/>
+          </p:cNvSpPr>
+          <p:nvPr>
+            <p:ph idx="1"/>
+          </p:nvPr>
+        </p:nvSpPr>
+        <p:spPr>
+          <a:xfrm>
+            <a:off x="838200" y="1825625"/>
+            <a:ext cx="10515600" cy="4785240"/>
+          </a:xfrm>
+        </p:spPr>
+        <p:txBody>
+          <a:bodyPr/>
+          <a:lstStyle/>
+          <a:p>
+            <a:r>
+              <a:rPr lang="en-US" altLang="ko-KR" dirty="0"/>
+              <a:t>RNN with attention(seq2seq with attention)</a:t>
+            </a:r>
+            <a:endParaRPr lang="en-US" altLang="ko-KR" dirty="0" smtClean="0"/>
+          </a:p>
+          <a:p>
+            <a:endParaRPr lang="en-US" altLang="ko-KR" dirty="0"/>
+          </a:p>
+          <a:p>
+            <a:endParaRPr lang="en-US" altLang="ko-KR" dirty="0" smtClean="0"/>
+          </a:p>
+          <a:p>
+            <a:endParaRPr lang="en-US" altLang="ko-KR" dirty="0"/>
+          </a:p>
+          <a:p>
+            <a:endParaRPr lang="en-US" altLang="ko-KR" dirty="0" smtClean="0"/>
+          </a:p>
+          <a:p>
+            <a:endParaRPr lang="en-US" altLang="ko-KR" dirty="0"/>
+          </a:p>
+          <a:p>
+            <a:endParaRPr lang="en-US" altLang="ko-KR" dirty="0" smtClean="0"/>
+          </a:p>
+          <a:p>
+            <a:endParaRPr lang="en-US" altLang="ko-KR" dirty="0"/>
+          </a:p>
+          <a:p>
+            <a:r>
+              <a:rPr lang="en-US" altLang="ko-KR" dirty="0" smtClean="0"/>
+              <a:t>This is SLOW</a:t>
+            </a:r>
+          </a:p>
+          <a:p>
+            <a:endParaRPr lang="ko-KR" altLang="en-US" dirty="0"/>
+          </a:p>
+        </p:txBody>
+      </p:sp>
+      <p:sp>
+        <p:nvSpPr>
+          <p:cNvPr id="4" name="타원 3"/>
+          <p:cNvSpPr/>
+          <p:nvPr/>
+        </p:nvSpPr>
+        <p:spPr>
+          <a:xfrm>
+            <a:off x="1447801" y="3476131"/>
+            <a:ext cx="1124465" cy="1050325"/>
+          </a:xfrm>
+          <a:prstGeom prst="ellipse">
+            <a:avLst/>
+          </a:prstGeom>
+        </p:spPr>
+        <p:style>
+          <a:lnRef idx="2">
+            <a:schemeClr val="accent1">
+              <a:shade val="50000"/>
+            </a:schemeClr>
+          </a:lnRef>
+          <a:fillRef idx="1">
+            <a:schemeClr val="accent1"/>
+          </a:fillRef>
+          <a:effectRef idx="0">
+            <a:schemeClr val="accent1"/>
+          </a:effectRef>
+          <a:fontRef idx="minor">
+            <a:schemeClr val="lt1"/>
+          </a:fontRef>
+        </p:style>
+        <p:txBody>
+          <a:bodyPr rtlCol="0" anchor="ctr"/>
+          <a:lstStyle/>
+          <a:p>
+            <a:pPr algn="ctr"/>
+            <a:endParaRPr lang="ko-KR" altLang="en-US"/>
+          </a:p>
+        </p:txBody>
+      </p:sp>
+      <p:sp>
+        <p:nvSpPr>
+          <p:cNvPr id="5" name="타원 4"/>
+          <p:cNvSpPr/>
+          <p:nvPr/>
+        </p:nvSpPr>
+        <p:spPr>
+          <a:xfrm>
+            <a:off x="2862649" y="3476130"/>
+            <a:ext cx="1124465" cy="1050325"/>
+          </a:xfrm>
+          <a:prstGeom prst="ellipse">
+            <a:avLst/>
+          </a:prstGeom>
+        </p:spPr>
+        <p:style>
+          <a:lnRef idx="2">
+            <a:schemeClr val="accent1">
+              <a:shade val="50000"/>
+            </a:schemeClr>
+          </a:lnRef>
+          <a:fillRef idx="1">
+            <a:schemeClr val="accent1"/>
+          </a:fillRef>
+          <a:effectRef idx="0">
+            <a:schemeClr val="accent1"/>
+          </a:effectRef>
+          <a:fontRef idx="minor">
+            <a:schemeClr val="lt1"/>
+          </a:fontRef>
+        </p:style>
+        <p:txBody>
+          <a:bodyPr rtlCol="0" anchor="ctr"/>
+          <a:lstStyle/>
+          <a:p>
+            <a:pPr algn="ctr"/>
+            <a:endParaRPr lang="ko-KR" altLang="en-US"/>
+          </a:p>
+        </p:txBody>
+      </p:sp>
+      <p:sp>
+        <p:nvSpPr>
+          <p:cNvPr id="6" name="타원 5"/>
+          <p:cNvSpPr/>
+          <p:nvPr/>
+        </p:nvSpPr>
+        <p:spPr>
+          <a:xfrm>
+            <a:off x="4277497" y="3476130"/>
+            <a:ext cx="1124465" cy="1050325"/>
+          </a:xfrm>
+          <a:prstGeom prst="ellipse">
+            <a:avLst/>
+          </a:prstGeom>
+        </p:spPr>
+        <p:style>
+          <a:lnRef idx="2">
+            <a:schemeClr val="accent1">
+              <a:shade val="50000"/>
+            </a:schemeClr>
+          </a:lnRef>
+          <a:fillRef idx="1">
+            <a:schemeClr val="accent1"/>
+          </a:fillRef>
+          <a:effectRef idx="0">
+            <a:schemeClr val="accent1"/>
+          </a:effectRef>
+          <a:fontRef idx="minor">
+            <a:schemeClr val="lt1"/>
+          </a:fontRef>
+        </p:style>
+        <p:txBody>
+          <a:bodyPr rtlCol="0" anchor="ctr"/>
+          <a:lstStyle/>
+          <a:p>
+            <a:pPr algn="ctr"/>
+            <a:endParaRPr lang="ko-KR" altLang="en-US"/>
+          </a:p>
+        </p:txBody>
+      </p:sp>
+      <p:sp>
+        <p:nvSpPr>
+          <p:cNvPr id="7" name="오른쪽 화살표 6"/>
+          <p:cNvSpPr/>
+          <p:nvPr/>
+        </p:nvSpPr>
+        <p:spPr>
+          <a:xfrm>
+            <a:off x="2572266" y="3864219"/>
+            <a:ext cx="290383" cy="274146"/>
+          </a:xfrm>
+          <a:prstGeom prst="rightArrow">
+            <a:avLst/>
+          </a:prstGeom>
+        </p:spPr>
+        <p:style>
+          <a:lnRef idx="2">
+            <a:schemeClr val="accent1">
+              <a:shade val="50000"/>
+            </a:schemeClr>
+          </a:lnRef>
+          <a:fillRef idx="1">
+            <a:schemeClr val="accent1"/>
+          </a:fillRef>
+          <a:effectRef idx="0">
+            <a:schemeClr val="accent1"/>
+          </a:effectRef>
+          <a:fontRef idx="minor">
+            <a:schemeClr val="lt1"/>
+          </a:fontRef>
+        </p:style>
+        <p:txBody>
+          <a:bodyPr rtlCol="0" anchor="ctr"/>
+          <a:lstStyle/>
+          <a:p>
+            <a:pPr algn="ctr"/>
+            <a:endParaRPr lang="ko-KR" altLang="en-US"/>
+          </a:p>
+        </p:txBody>
+      </p:sp>
+      <p:sp>
+        <p:nvSpPr>
+          <p:cNvPr id="8" name="오른쪽 화살표 7"/>
+          <p:cNvSpPr/>
+          <p:nvPr/>
+        </p:nvSpPr>
+        <p:spPr>
+          <a:xfrm>
+            <a:off x="3987114" y="3864219"/>
+            <a:ext cx="290383" cy="274146"/>
+          </a:xfrm>
+          <a:prstGeom prst="rightArrow">
+            <a:avLst/>
+          </a:prstGeom>
+        </p:spPr>
+        <p:style>
+          <a:lnRef idx="2">
+            <a:schemeClr val="accent1">
+              <a:shade val="50000"/>
+            </a:schemeClr>
+          </a:lnRef>
+          <a:fillRef idx="1">
+            <a:schemeClr val="accent1"/>
+          </a:fillRef>
+          <a:effectRef idx="0">
+            <a:schemeClr val="accent1"/>
+          </a:effectRef>
+          <a:fontRef idx="minor">
+            <a:schemeClr val="lt1"/>
+          </a:fontRef>
+        </p:style>
+        <p:txBody>
+          <a:bodyPr rtlCol="0" anchor="ctr"/>
+          <a:lstStyle/>
+          <a:p>
+            <a:pPr algn="ctr"/>
+            <a:endParaRPr lang="ko-KR" altLang="en-US"/>
+          </a:p>
+        </p:txBody>
+      </p:sp>
+      <p:sp>
+        <p:nvSpPr>
+          <p:cNvPr id="10" name="위쪽 화살표 9"/>
+          <p:cNvSpPr/>
+          <p:nvPr/>
+        </p:nvSpPr>
+        <p:spPr>
+          <a:xfrm>
+            <a:off x="1930228" y="4526455"/>
+            <a:ext cx="159609" cy="366821"/>
+          </a:xfrm>
+          <a:prstGeom prst="upArrow">
+            <a:avLst/>
+          </a:prstGeom>
+        </p:spPr>
+        <p:style>
+          <a:lnRef idx="2">
+            <a:schemeClr val="accent1">
+              <a:shade val="50000"/>
+            </a:schemeClr>
+          </a:lnRef>
+          <a:fillRef idx="1">
+            <a:schemeClr val="accent1"/>
+          </a:fillRef>
+          <a:effectRef idx="0">
+            <a:schemeClr val="accent1"/>
+          </a:effectRef>
+          <a:fontRef idx="minor">
+            <a:schemeClr val="lt1"/>
+          </a:fontRef>
+        </p:style>
+        <p:txBody>
+          <a:bodyPr rtlCol="0" anchor="ctr"/>
+          <a:lstStyle/>
+          <a:p>
+            <a:pPr algn="ctr"/>
+            <a:endParaRPr lang="ko-KR" altLang="en-US"/>
+          </a:p>
+        </p:txBody>
+      </p:sp>
+      <p:sp>
+        <p:nvSpPr>
+          <p:cNvPr id="11" name="위쪽 화살표 10"/>
+          <p:cNvSpPr/>
+          <p:nvPr/>
+        </p:nvSpPr>
+        <p:spPr>
+          <a:xfrm>
+            <a:off x="4759924" y="4526455"/>
+            <a:ext cx="159609" cy="366821"/>
+          </a:xfrm>
+          <a:prstGeom prst="upArrow">
+            <a:avLst/>
+          </a:prstGeom>
+        </p:spPr>
+        <p:style>
+          <a:lnRef idx="2">
+            <a:schemeClr val="accent1">
+              <a:shade val="50000"/>
+            </a:schemeClr>
+          </a:lnRef>
+          <a:fillRef idx="1">
+            <a:schemeClr val="accent1"/>
+          </a:fillRef>
+          <a:effectRef idx="0">
+            <a:schemeClr val="accent1"/>
+          </a:effectRef>
+          <a:fontRef idx="minor">
+            <a:schemeClr val="lt1"/>
+          </a:fontRef>
+        </p:style>
+        <p:txBody>
+          <a:bodyPr rtlCol="0" anchor="ctr"/>
+          <a:lstStyle/>
+          <a:p>
+            <a:pPr algn="ctr"/>
+            <a:endParaRPr lang="ko-KR" altLang="en-US"/>
+          </a:p>
+        </p:txBody>
+      </p:sp>
+      <p:sp>
+        <p:nvSpPr>
+          <p:cNvPr id="12" name="위쪽 화살표 11"/>
+          <p:cNvSpPr/>
+          <p:nvPr/>
+        </p:nvSpPr>
+        <p:spPr>
+          <a:xfrm>
+            <a:off x="3327056" y="4526455"/>
+            <a:ext cx="159609" cy="366821"/>
+          </a:xfrm>
+          <a:prstGeom prst="upArrow">
+            <a:avLst/>
+          </a:prstGeom>
+        </p:spPr>
+        <p:style>
+          <a:lnRef idx="2">
+            <a:schemeClr val="accent1">
+              <a:shade val="50000"/>
+            </a:schemeClr>
+          </a:lnRef>
+          <a:fillRef idx="1">
+            <a:schemeClr val="accent1"/>
+          </a:fillRef>
+          <a:effectRef idx="0">
+            <a:schemeClr val="accent1"/>
+          </a:effectRef>
+          <a:fontRef idx="minor">
+            <a:schemeClr val="lt1"/>
+          </a:fontRef>
+        </p:style>
+        <p:txBody>
+          <a:bodyPr rtlCol="0" anchor="ctr"/>
+          <a:lstStyle/>
+          <a:p>
+            <a:pPr algn="ctr"/>
+            <a:endParaRPr lang="ko-KR" altLang="en-US"/>
+          </a:p>
+        </p:txBody>
+      </p:sp>
+      <p:sp>
+        <p:nvSpPr>
+          <p:cNvPr id="13" name="직사각형 12"/>
+          <p:cNvSpPr/>
+          <p:nvPr/>
+        </p:nvSpPr>
+        <p:spPr>
+          <a:xfrm>
+            <a:off x="1447801" y="5214551"/>
+            <a:ext cx="1124465" cy="444844"/>
+          </a:xfrm>
+          <a:prstGeom prst="rect">
+            <a:avLst/>
+          </a:prstGeom>
+        </p:spPr>
+        <p:style>
+          <a:lnRef idx="2">
+            <a:schemeClr val="accent1">
+              <a:shade val="50000"/>
+            </a:schemeClr>
+          </a:lnRef>
+          <a:fillRef idx="1">
+            <a:schemeClr val="accent1"/>
+          </a:fillRef>
+          <a:effectRef idx="0">
+            <a:schemeClr val="accent1"/>
+          </a:effectRef>
+          <a:fontRef idx="minor">
+            <a:schemeClr val="lt1"/>
+          </a:fontRef>
+        </p:style>
+        <p:txBody>
+          <a:bodyPr rtlCol="0" anchor="ctr"/>
+          <a:lstStyle/>
+          <a:p>
+            <a:pPr algn="ctr"/>
+            <a:r>
+              <a:rPr lang="en-US" altLang="ko-KR" dirty="0" smtClean="0"/>
+              <a:t>Input 1</a:t>
+            </a:r>
+            <a:endParaRPr lang="ko-KR" altLang="en-US" dirty="0"/>
+          </a:p>
+        </p:txBody>
+      </p:sp>
+      <p:sp>
+        <p:nvSpPr>
+          <p:cNvPr id="14" name="직사각형 13"/>
+          <p:cNvSpPr/>
+          <p:nvPr/>
+        </p:nvSpPr>
+        <p:spPr>
+          <a:xfrm>
+            <a:off x="2844627" y="5214551"/>
+            <a:ext cx="1124465" cy="444844"/>
+          </a:xfrm>
+          <a:prstGeom prst="rect">
+            <a:avLst/>
+          </a:prstGeom>
+        </p:spPr>
+        <p:style>
+          <a:lnRef idx="2">
+            <a:schemeClr val="accent1">
+              <a:shade val="50000"/>
+            </a:schemeClr>
+          </a:lnRef>
+          <a:fillRef idx="1">
+            <a:schemeClr val="accent1"/>
+          </a:fillRef>
+          <a:effectRef idx="0">
+            <a:schemeClr val="accent1"/>
+          </a:effectRef>
+          <a:fontRef idx="minor">
+            <a:schemeClr val="lt1"/>
+          </a:fontRef>
+        </p:style>
+        <p:txBody>
+          <a:bodyPr rtlCol="0" anchor="ctr"/>
+          <a:lstStyle/>
+          <a:p>
+            <a:pPr algn="ctr"/>
+            <a:r>
+              <a:rPr lang="en-US" altLang="ko-KR" dirty="0" smtClean="0"/>
+              <a:t>Input 2</a:t>
+            </a:r>
+            <a:endParaRPr lang="ko-KR" altLang="en-US" dirty="0"/>
+          </a:p>
+        </p:txBody>
+      </p:sp>
+      <p:sp>
+        <p:nvSpPr>
+          <p:cNvPr id="15" name="직사각형 14"/>
+          <p:cNvSpPr/>
+          <p:nvPr/>
+        </p:nvSpPr>
+        <p:spPr>
+          <a:xfrm>
+            <a:off x="4277495" y="5214551"/>
+            <a:ext cx="1124465" cy="444844"/>
+          </a:xfrm>
+          <a:prstGeom prst="rect">
+            <a:avLst/>
+          </a:prstGeom>
+        </p:spPr>
+        <p:style>
+          <a:lnRef idx="2">
+            <a:schemeClr val="accent1">
+              <a:shade val="50000"/>
+            </a:schemeClr>
+          </a:lnRef>
+          <a:fillRef idx="1">
+            <a:schemeClr val="accent1"/>
+          </a:fillRef>
+          <a:effectRef idx="0">
+            <a:schemeClr val="accent1"/>
+          </a:effectRef>
+          <a:fontRef idx="minor">
+            <a:schemeClr val="lt1"/>
+          </a:fontRef>
+        </p:style>
+        <p:txBody>
+          <a:bodyPr rtlCol="0" anchor="ctr"/>
+          <a:lstStyle/>
+          <a:p>
+            <a:pPr algn="ctr"/>
+            <a:r>
+              <a:rPr lang="en-US" altLang="ko-KR" dirty="0" smtClean="0"/>
+              <a:t>Input 3</a:t>
+            </a:r>
+            <a:endParaRPr lang="ko-KR" altLang="en-US" dirty="0"/>
+          </a:p>
+        </p:txBody>
+      </p:sp>
+      <p:sp>
+        <p:nvSpPr>
+          <p:cNvPr id="16" name="오른쪽 화살표 15"/>
+          <p:cNvSpPr/>
+          <p:nvPr/>
+        </p:nvSpPr>
+        <p:spPr>
+          <a:xfrm>
+            <a:off x="5401960" y="3864219"/>
+            <a:ext cx="282148" cy="274146"/>
+          </a:xfrm>
+          <a:prstGeom prst="rightArrow">
+            <a:avLst/>
+          </a:prstGeom>
+        </p:spPr>
+        <p:style>
+          <a:lnRef idx="2">
+            <a:schemeClr val="accent1">
+              <a:shade val="50000"/>
+            </a:schemeClr>
+          </a:lnRef>
+          <a:fillRef idx="1">
+            <a:schemeClr val="accent1"/>
+          </a:fillRef>
+          <a:effectRef idx="0">
+            <a:schemeClr val="accent1"/>
+          </a:effectRef>
+          <a:fontRef idx="minor">
+            <a:schemeClr val="lt1"/>
+          </a:fontRef>
+        </p:style>
+        <p:txBody>
+          <a:bodyPr rtlCol="0" anchor="ctr"/>
+          <a:lstStyle/>
+          <a:p>
+            <a:pPr algn="ctr"/>
+            <a:endParaRPr lang="ko-KR" altLang="en-US"/>
+          </a:p>
+        </p:txBody>
+      </p:sp>
+      <p:sp>
+        <p:nvSpPr>
+          <p:cNvPr id="17" name="직사각형 16"/>
+          <p:cNvSpPr/>
+          <p:nvPr/>
+        </p:nvSpPr>
+        <p:spPr>
+          <a:xfrm>
+            <a:off x="5684108" y="3558389"/>
+            <a:ext cx="1289223" cy="885805"/>
+          </a:xfrm>
+          <a:prstGeom prst="rect">
+            <a:avLst/>
+          </a:prstGeom>
+        </p:spPr>
+        <p:style>
+          <a:lnRef idx="2">
+            <a:schemeClr val="accent1">
+              <a:shade val="50000"/>
+            </a:schemeClr>
+          </a:lnRef>
+          <a:fillRef idx="1">
+            <a:schemeClr val="accent1"/>
+          </a:fillRef>
+          <a:effectRef idx="0">
+            <a:schemeClr val="accent1"/>
+          </a:effectRef>
+          <a:fontRef idx="minor">
+            <a:schemeClr val="lt1"/>
+          </a:fontRef>
+        </p:style>
+        <p:txBody>
+          <a:bodyPr rtlCol="0" anchor="ctr"/>
+          <a:lstStyle/>
+          <a:p>
+            <a:pPr algn="ctr"/>
+            <a:r>
+              <a:rPr lang="en-US" altLang="ko-KR" dirty="0" smtClean="0"/>
+              <a:t>Context</a:t>
+            </a:r>
+          </a:p>
+          <a:p>
+            <a:pPr algn="ctr"/>
+            <a:r>
+              <a:rPr lang="en-US" altLang="ko-KR" dirty="0" smtClean="0"/>
+              <a:t>vector</a:t>
+            </a:r>
+            <a:endParaRPr lang="ko-KR" altLang="en-US" dirty="0"/>
+          </a:p>
+        </p:txBody>
+      </p:sp>
+      <p:sp>
+        <p:nvSpPr>
+          <p:cNvPr id="19" name="오른쪽 화살표 18"/>
+          <p:cNvSpPr/>
+          <p:nvPr/>
+        </p:nvSpPr>
+        <p:spPr>
+          <a:xfrm>
+            <a:off x="6956852" y="3864218"/>
+            <a:ext cx="282148" cy="274146"/>
+          </a:xfrm>
+          <a:prstGeom prst="rightArrow">
+            <a:avLst/>
+          </a:prstGeom>
+        </p:spPr>
+        <p:style>
+          <a:lnRef idx="2">
+            <a:schemeClr val="accent1">
+              <a:shade val="50000"/>
+            </a:schemeClr>
+          </a:lnRef>
+          <a:fillRef idx="1">
+            <a:schemeClr val="accent1"/>
+          </a:fillRef>
+          <a:effectRef idx="0">
+            <a:schemeClr val="accent1"/>
+          </a:effectRef>
+          <a:fontRef idx="minor">
+            <a:schemeClr val="lt1"/>
+          </a:fontRef>
+        </p:style>
+        <p:txBody>
+          <a:bodyPr rtlCol="0" anchor="ctr"/>
+          <a:lstStyle/>
+          <a:p>
+            <a:pPr algn="ctr"/>
+            <a:endParaRPr lang="ko-KR" altLang="en-US"/>
+          </a:p>
+        </p:txBody>
+      </p:sp>
+      <p:sp>
+        <p:nvSpPr>
+          <p:cNvPr id="20" name="오른쪽 화살표 19"/>
+          <p:cNvSpPr/>
+          <p:nvPr/>
+        </p:nvSpPr>
+        <p:spPr>
+          <a:xfrm>
+            <a:off x="9798909" y="3864218"/>
+            <a:ext cx="282148" cy="274146"/>
+          </a:xfrm>
+          <a:prstGeom prst="rightArrow">
+            <a:avLst/>
+          </a:prstGeom>
+        </p:spPr>
+        <p:style>
+          <a:lnRef idx="2">
+            <a:schemeClr val="accent1">
+              <a:shade val="50000"/>
+            </a:schemeClr>
+          </a:lnRef>
+          <a:fillRef idx="1">
+            <a:schemeClr val="accent1"/>
+          </a:fillRef>
+          <a:effectRef idx="0">
+            <a:schemeClr val="accent1"/>
+          </a:effectRef>
+          <a:fontRef idx="minor">
+            <a:schemeClr val="lt1"/>
+          </a:fontRef>
+        </p:style>
+        <p:txBody>
+          <a:bodyPr rtlCol="0" anchor="ctr"/>
+          <a:lstStyle/>
+          <a:p>
+            <a:pPr algn="ctr"/>
+            <a:endParaRPr lang="ko-KR" altLang="en-US"/>
+          </a:p>
+        </p:txBody>
+      </p:sp>
+      <p:sp>
+        <p:nvSpPr>
+          <p:cNvPr id="21" name="오른쪽 화살표 20"/>
+          <p:cNvSpPr/>
+          <p:nvPr/>
+        </p:nvSpPr>
+        <p:spPr>
+          <a:xfrm>
+            <a:off x="8396419" y="3864218"/>
+            <a:ext cx="282148" cy="274146"/>
+          </a:xfrm>
+          <a:prstGeom prst="rightArrow">
+            <a:avLst/>
+          </a:prstGeom>
+        </p:spPr>
+        <p:style>
+          <a:lnRef idx="2">
+            <a:schemeClr val="accent1">
+              <a:shade val="50000"/>
+            </a:schemeClr>
+          </a:lnRef>
+          <a:fillRef idx="1">
+            <a:schemeClr val="accent1"/>
+          </a:fillRef>
+          <a:effectRef idx="0">
+            <a:schemeClr val="accent1"/>
+          </a:effectRef>
+          <a:fontRef idx="minor">
+            <a:schemeClr val="lt1"/>
+          </a:fontRef>
+        </p:style>
+        <p:txBody>
+          <a:bodyPr rtlCol="0" anchor="ctr"/>
+          <a:lstStyle/>
+          <a:p>
+            <a:pPr algn="ctr"/>
+            <a:endParaRPr lang="ko-KR" altLang="en-US"/>
+          </a:p>
+        </p:txBody>
+      </p:sp>
+      <p:sp>
+        <p:nvSpPr>
+          <p:cNvPr id="23" name="타원 22"/>
+          <p:cNvSpPr/>
+          <p:nvPr/>
+        </p:nvSpPr>
+        <p:spPr>
+          <a:xfrm>
+            <a:off x="10052220" y="3476128"/>
+            <a:ext cx="1124465" cy="1050325"/>
+          </a:xfrm>
+          <a:prstGeom prst="ellipse">
+            <a:avLst/>
+          </a:prstGeom>
+        </p:spPr>
+        <p:style>
+          <a:lnRef idx="2">
+            <a:schemeClr val="accent1">
+              <a:shade val="50000"/>
+            </a:schemeClr>
+          </a:lnRef>
+          <a:fillRef idx="1">
+            <a:schemeClr val="accent1"/>
+          </a:fillRef>
+          <a:effectRef idx="0">
+            <a:schemeClr val="accent1"/>
+          </a:effectRef>
+          <a:fontRef idx="minor">
+            <a:schemeClr val="lt1"/>
+          </a:fontRef>
+        </p:style>
+        <p:txBody>
+          <a:bodyPr rtlCol="0" anchor="ctr"/>
+          <a:lstStyle/>
+          <a:p>
+            <a:pPr algn="ctr"/>
+            <a:endParaRPr lang="ko-KR" altLang="en-US"/>
+          </a:p>
+        </p:txBody>
+      </p:sp>
+      <p:sp>
+        <p:nvSpPr>
+          <p:cNvPr id="24" name="타원 23"/>
+          <p:cNvSpPr/>
+          <p:nvPr/>
+        </p:nvSpPr>
+        <p:spPr>
+          <a:xfrm>
+            <a:off x="8662087" y="3476130"/>
+            <a:ext cx="1124465" cy="1050325"/>
+          </a:xfrm>
+          <a:prstGeom prst="ellipse">
+            <a:avLst/>
+          </a:prstGeom>
+        </p:spPr>
+        <p:style>
+          <a:lnRef idx="2">
+            <a:schemeClr val="accent1">
+              <a:shade val="50000"/>
+            </a:schemeClr>
+          </a:lnRef>
+          <a:fillRef idx="1">
+            <a:schemeClr val="accent1"/>
+          </a:fillRef>
+          <a:effectRef idx="0">
+            <a:schemeClr val="accent1"/>
+          </a:effectRef>
+          <a:fontRef idx="minor">
+            <a:schemeClr val="lt1"/>
+          </a:fontRef>
+        </p:style>
+        <p:txBody>
+          <a:bodyPr rtlCol="0" anchor="ctr"/>
+          <a:lstStyle/>
+          <a:p>
+            <a:pPr algn="ctr"/>
+            <a:endParaRPr lang="ko-KR" altLang="en-US"/>
+          </a:p>
+        </p:txBody>
+      </p:sp>
+      <p:sp>
+        <p:nvSpPr>
+          <p:cNvPr id="25" name="타원 24"/>
+          <p:cNvSpPr/>
+          <p:nvPr/>
+        </p:nvSpPr>
+        <p:spPr>
+          <a:xfrm>
+            <a:off x="7255477" y="3476130"/>
+            <a:ext cx="1124465" cy="1050325"/>
+          </a:xfrm>
+          <a:prstGeom prst="ellipse">
+            <a:avLst/>
+          </a:prstGeom>
+        </p:spPr>
+        <p:style>
+          <a:lnRef idx="2">
+            <a:schemeClr val="accent1">
+              <a:shade val="50000"/>
+            </a:schemeClr>
+          </a:lnRef>
+          <a:fillRef idx="1">
+            <a:schemeClr val="accent1"/>
+          </a:fillRef>
+          <a:effectRef idx="0">
+            <a:schemeClr val="accent1"/>
+          </a:effectRef>
+          <a:fontRef idx="minor">
+            <a:schemeClr val="lt1"/>
+          </a:fontRef>
+        </p:style>
+        <p:txBody>
+          <a:bodyPr rtlCol="0" anchor="ctr"/>
+          <a:lstStyle/>
+          <a:p>
+            <a:pPr algn="ctr"/>
+            <a:endParaRPr lang="ko-KR" altLang="en-US"/>
+          </a:p>
+        </p:txBody>
+      </p:sp>
+      <p:sp>
+        <p:nvSpPr>
+          <p:cNvPr id="28" name="아래쪽 화살표 27"/>
+          <p:cNvSpPr/>
+          <p:nvPr/>
+        </p:nvSpPr>
+        <p:spPr>
+          <a:xfrm>
+            <a:off x="7720914" y="3038911"/>
+            <a:ext cx="193590" cy="437217"/>
+          </a:xfrm>
+          <a:prstGeom prst="downArrow">
+            <a:avLst/>
+          </a:prstGeom>
+        </p:spPr>
+        <p:style>
+          <a:lnRef idx="2">
+            <a:schemeClr val="accent1">
+              <a:shade val="50000"/>
+            </a:schemeClr>
+          </a:lnRef>
+          <a:fillRef idx="1">
+            <a:schemeClr val="accent1"/>
+          </a:fillRef>
+          <a:effectRef idx="0">
+            <a:schemeClr val="accent1"/>
+          </a:effectRef>
+          <a:fontRef idx="minor">
+            <a:schemeClr val="lt1"/>
+          </a:fontRef>
+        </p:style>
+        <p:txBody>
+          <a:bodyPr rtlCol="0" anchor="ctr"/>
+          <a:lstStyle/>
+          <a:p>
+            <a:pPr algn="ctr"/>
+            <a:endParaRPr lang="ko-KR" altLang="en-US"/>
+          </a:p>
+        </p:txBody>
+      </p:sp>
+      <p:sp>
+        <p:nvSpPr>
+          <p:cNvPr id="29" name="아래쪽 화살표 28"/>
+          <p:cNvSpPr/>
+          <p:nvPr/>
+        </p:nvSpPr>
+        <p:spPr>
+          <a:xfrm>
+            <a:off x="9161246" y="4526453"/>
+            <a:ext cx="193590" cy="437217"/>
+          </a:xfrm>
+          <a:prstGeom prst="downArrow">
+            <a:avLst/>
+          </a:prstGeom>
+        </p:spPr>
+        <p:style>
+          <a:lnRef idx="2">
+            <a:schemeClr val="accent1">
+              <a:shade val="50000"/>
+            </a:schemeClr>
+          </a:lnRef>
+          <a:fillRef idx="1">
+            <a:schemeClr val="accent1"/>
+          </a:fillRef>
+          <a:effectRef idx="0">
+            <a:schemeClr val="accent1"/>
+          </a:effectRef>
+          <a:fontRef idx="minor">
+            <a:schemeClr val="lt1"/>
+          </a:fontRef>
+        </p:style>
+        <p:txBody>
+          <a:bodyPr rtlCol="0" anchor="ctr"/>
+          <a:lstStyle/>
+          <a:p>
+            <a:pPr algn="ctr"/>
+            <a:endParaRPr lang="ko-KR" altLang="en-US"/>
+          </a:p>
+        </p:txBody>
+      </p:sp>
+      <p:sp>
+        <p:nvSpPr>
+          <p:cNvPr id="30" name="아래쪽 화살표 29"/>
+          <p:cNvSpPr/>
+          <p:nvPr/>
+        </p:nvSpPr>
+        <p:spPr>
+          <a:xfrm>
+            <a:off x="10522295" y="4526453"/>
+            <a:ext cx="193590" cy="437217"/>
+          </a:xfrm>
+          <a:prstGeom prst="downArrow">
+            <a:avLst/>
+          </a:prstGeom>
+        </p:spPr>
+        <p:style>
+          <a:lnRef idx="2">
+            <a:schemeClr val="accent1">
+              <a:shade val="50000"/>
+            </a:schemeClr>
+          </a:lnRef>
+          <a:fillRef idx="1">
+            <a:schemeClr val="accent1"/>
+          </a:fillRef>
+          <a:effectRef idx="0">
+            <a:schemeClr val="accent1"/>
+          </a:effectRef>
+          <a:fontRef idx="minor">
+            <a:schemeClr val="lt1"/>
+          </a:fontRef>
+        </p:style>
+        <p:txBody>
+          <a:bodyPr rtlCol="0" anchor="ctr"/>
+          <a:lstStyle/>
+          <a:p>
+            <a:pPr algn="ctr"/>
+            <a:endParaRPr lang="ko-KR" altLang="en-US"/>
+          </a:p>
+        </p:txBody>
+      </p:sp>
+      <p:sp>
+        <p:nvSpPr>
+          <p:cNvPr id="31" name="아래쪽 화살표 30"/>
+          <p:cNvSpPr/>
+          <p:nvPr/>
+        </p:nvSpPr>
+        <p:spPr>
+          <a:xfrm>
+            <a:off x="7720914" y="4526453"/>
+            <a:ext cx="193590" cy="437217"/>
+          </a:xfrm>
+          <a:prstGeom prst="downArrow">
+            <a:avLst/>
+          </a:prstGeom>
+        </p:spPr>
+        <p:style>
+          <a:lnRef idx="2">
+            <a:schemeClr val="accent1">
+              <a:shade val="50000"/>
+            </a:schemeClr>
+          </a:lnRef>
+          <a:fillRef idx="1">
+            <a:schemeClr val="accent1"/>
+          </a:fillRef>
+          <a:effectRef idx="0">
+            <a:schemeClr val="accent1"/>
+          </a:effectRef>
+          <a:fontRef idx="minor">
+            <a:schemeClr val="lt1"/>
+          </a:fontRef>
+        </p:style>
+        <p:txBody>
+          <a:bodyPr rtlCol="0" anchor="ctr"/>
+          <a:lstStyle/>
+          <a:p>
+            <a:pPr algn="ctr"/>
+            <a:endParaRPr lang="ko-KR" altLang="en-US"/>
+          </a:p>
+        </p:txBody>
+      </p:sp>
+      <p:sp>
+        <p:nvSpPr>
+          <p:cNvPr id="35" name="직사각형 34"/>
+          <p:cNvSpPr/>
+          <p:nvPr/>
+        </p:nvSpPr>
+        <p:spPr>
+          <a:xfrm>
+            <a:off x="10081057" y="4963670"/>
+            <a:ext cx="1124465" cy="444844"/>
+          </a:xfrm>
+          <a:prstGeom prst="rect">
+            <a:avLst/>
+          </a:prstGeom>
+        </p:spPr>
+        <p:style>
+          <a:lnRef idx="2">
+            <a:schemeClr val="accent1">
+              <a:shade val="50000"/>
+            </a:schemeClr>
+          </a:lnRef>
+          <a:fillRef idx="1">
+            <a:schemeClr val="accent1"/>
+          </a:fillRef>
+          <a:effectRef idx="0">
+            <a:schemeClr val="accent1"/>
+          </a:effectRef>
+          <a:fontRef idx="minor">
+            <a:schemeClr val="lt1"/>
+          </a:fontRef>
+        </p:style>
+        <p:txBody>
+          <a:bodyPr rtlCol="0" anchor="ctr"/>
+          <a:lstStyle/>
+          <a:p>
+            <a:pPr algn="ctr"/>
+            <a:r>
+              <a:rPr lang="en-US" altLang="ko-KR" dirty="0" smtClean="0"/>
+              <a:t>Output 3</a:t>
+            </a:r>
+            <a:endParaRPr lang="ko-KR" altLang="en-US" dirty="0"/>
+          </a:p>
+        </p:txBody>
+      </p:sp>
+      <p:sp>
+        <p:nvSpPr>
+          <p:cNvPr id="36" name="직사각형 35"/>
+          <p:cNvSpPr/>
+          <p:nvPr/>
+        </p:nvSpPr>
+        <p:spPr>
+          <a:xfrm>
+            <a:off x="8695808" y="4963670"/>
+            <a:ext cx="1124465" cy="444844"/>
+          </a:xfrm>
+          <a:prstGeom prst="rect">
+            <a:avLst/>
+          </a:prstGeom>
+        </p:spPr>
+        <p:style>
+          <a:lnRef idx="2">
+            <a:schemeClr val="accent1">
+              <a:shade val="50000"/>
+            </a:schemeClr>
+          </a:lnRef>
+          <a:fillRef idx="1">
+            <a:schemeClr val="accent1"/>
+          </a:fillRef>
+          <a:effectRef idx="0">
+            <a:schemeClr val="accent1"/>
+          </a:effectRef>
+          <a:fontRef idx="minor">
+            <a:schemeClr val="lt1"/>
+          </a:fontRef>
+        </p:style>
+        <p:txBody>
+          <a:bodyPr rtlCol="0" anchor="ctr"/>
+          <a:lstStyle/>
+          <a:p>
+            <a:pPr algn="ctr"/>
+            <a:r>
+              <a:rPr lang="en-US" altLang="ko-KR" dirty="0" smtClean="0"/>
+              <a:t>Output 2</a:t>
+            </a:r>
+            <a:endParaRPr lang="ko-KR" altLang="en-US" dirty="0"/>
+          </a:p>
+        </p:txBody>
+      </p:sp>
+      <p:sp>
+        <p:nvSpPr>
+          <p:cNvPr id="37" name="직사각형 36"/>
+          <p:cNvSpPr/>
+          <p:nvPr/>
+        </p:nvSpPr>
+        <p:spPr>
+          <a:xfrm>
+            <a:off x="7255477" y="4967416"/>
+            <a:ext cx="1124465" cy="444844"/>
+          </a:xfrm>
+          <a:prstGeom prst="rect">
+            <a:avLst/>
+          </a:prstGeom>
+        </p:spPr>
+        <p:style>
+          <a:lnRef idx="2">
+            <a:schemeClr val="accent1">
+              <a:shade val="50000"/>
+            </a:schemeClr>
+          </a:lnRef>
+          <a:fillRef idx="1">
+            <a:schemeClr val="accent1"/>
+          </a:fillRef>
+          <a:effectRef idx="0">
+            <a:schemeClr val="accent1"/>
+          </a:effectRef>
+          <a:fontRef idx="minor">
+            <a:schemeClr val="lt1"/>
+          </a:fontRef>
+        </p:style>
+        <p:txBody>
+          <a:bodyPr rtlCol="0" anchor="ctr"/>
+          <a:lstStyle/>
+          <a:p>
+            <a:pPr algn="ctr"/>
+            <a:r>
+              <a:rPr lang="en-US" altLang="ko-KR" dirty="0" smtClean="0"/>
+              <a:t>Output 1</a:t>
+            </a:r>
+            <a:endParaRPr lang="ko-KR" altLang="en-US" dirty="0"/>
+          </a:p>
+        </p:txBody>
+      </p:sp>
+      <p:sp>
+        <p:nvSpPr>
+          <p:cNvPr id="38" name="직사각형 37"/>
+          <p:cNvSpPr/>
+          <p:nvPr/>
+        </p:nvSpPr>
+        <p:spPr>
+          <a:xfrm>
+            <a:off x="7239000" y="2622500"/>
+            <a:ext cx="1124465" cy="444844"/>
+          </a:xfrm>
+          <a:prstGeom prst="rect">
+            <a:avLst/>
+          </a:prstGeom>
+        </p:spPr>
+        <p:style>
+          <a:lnRef idx="2">
+            <a:schemeClr val="accent1">
+              <a:shade val="50000"/>
+            </a:schemeClr>
+          </a:lnRef>
+          <a:fillRef idx="1">
+            <a:schemeClr val="accent1"/>
+          </a:fillRef>
+          <a:effectRef idx="0">
+            <a:schemeClr val="accent1"/>
+          </a:effectRef>
+          <a:fontRef idx="minor">
+            <a:schemeClr val="lt1"/>
+          </a:fontRef>
+        </p:style>
+        <p:txBody>
+          <a:bodyPr rtlCol="0" anchor="ctr"/>
+          <a:lstStyle/>
+          <a:p>
+            <a:pPr algn="ctr"/>
+            <a:r>
+              <a:rPr lang="en-US" altLang="ko-KR" dirty="0" smtClean="0"/>
+              <a:t>Start</a:t>
+            </a:r>
+          </a:p>
+        </p:txBody>
+      </p:sp>
+      <p:sp>
+        <p:nvSpPr>
+          <p:cNvPr id="46" name="위쪽 화살표 45"/>
+          <p:cNvSpPr/>
+          <p:nvPr/>
+        </p:nvSpPr>
+        <p:spPr>
+          <a:xfrm>
+            <a:off x="1930227" y="3101072"/>
+            <a:ext cx="159609" cy="366821"/>
+          </a:xfrm>
+          <a:prstGeom prst="upArrow">
+            <a:avLst/>
+          </a:prstGeom>
+        </p:spPr>
+        <p:style>
+          <a:lnRef idx="2">
+            <a:schemeClr val="accent1">
+              <a:shade val="50000"/>
+            </a:schemeClr>
+          </a:lnRef>
+          <a:fillRef idx="1">
+            <a:schemeClr val="accent1"/>
+          </a:fillRef>
+          <a:effectRef idx="0">
+            <a:schemeClr val="accent1"/>
+          </a:effectRef>
+          <a:fontRef idx="minor">
+            <a:schemeClr val="lt1"/>
+          </a:fontRef>
+        </p:style>
+        <p:txBody>
+          <a:bodyPr rtlCol="0" anchor="ctr"/>
+          <a:lstStyle/>
+          <a:p>
+            <a:pPr algn="ctr"/>
+            <a:endParaRPr lang="ko-KR" altLang="en-US"/>
+          </a:p>
+        </p:txBody>
+      </p:sp>
+      <p:sp>
+        <p:nvSpPr>
+          <p:cNvPr id="47" name="위쪽 화살표 46"/>
+          <p:cNvSpPr/>
+          <p:nvPr/>
+        </p:nvSpPr>
+        <p:spPr>
+          <a:xfrm>
+            <a:off x="3327056" y="3096813"/>
+            <a:ext cx="159609" cy="366821"/>
+          </a:xfrm>
+          <a:prstGeom prst="upArrow">
+            <a:avLst/>
+          </a:prstGeom>
+        </p:spPr>
+        <p:style>
+          <a:lnRef idx="2">
+            <a:schemeClr val="accent1">
+              <a:shade val="50000"/>
+            </a:schemeClr>
+          </a:lnRef>
+          <a:fillRef idx="1">
+            <a:schemeClr val="accent1"/>
+          </a:fillRef>
+          <a:effectRef idx="0">
+            <a:schemeClr val="accent1"/>
+          </a:effectRef>
+          <a:fontRef idx="minor">
+            <a:schemeClr val="lt1"/>
+          </a:fontRef>
+        </p:style>
+        <p:txBody>
+          <a:bodyPr rtlCol="0" anchor="ctr"/>
+          <a:lstStyle/>
+          <a:p>
+            <a:pPr algn="ctr"/>
+            <a:endParaRPr lang="ko-KR" altLang="en-US"/>
+          </a:p>
+        </p:txBody>
+      </p:sp>
+      <p:sp>
+        <p:nvSpPr>
+          <p:cNvPr id="48" name="위쪽 화살표 47"/>
+          <p:cNvSpPr/>
+          <p:nvPr/>
+        </p:nvSpPr>
+        <p:spPr>
+          <a:xfrm>
+            <a:off x="4759924" y="3094025"/>
+            <a:ext cx="159609" cy="366821"/>
+          </a:xfrm>
+          <a:prstGeom prst="upArrow">
+            <a:avLst/>
+          </a:prstGeom>
+        </p:spPr>
+        <p:style>
+          <a:lnRef idx="2">
+            <a:schemeClr val="accent1">
+              <a:shade val="50000"/>
+            </a:schemeClr>
+          </a:lnRef>
+          <a:fillRef idx="1">
+            <a:schemeClr val="accent1"/>
+          </a:fillRef>
+          <a:effectRef idx="0">
+            <a:schemeClr val="accent1"/>
+          </a:effectRef>
+          <a:fontRef idx="minor">
+            <a:schemeClr val="lt1"/>
+          </a:fontRef>
+        </p:style>
+        <p:txBody>
+          <a:bodyPr rtlCol="0" anchor="ctr"/>
+          <a:lstStyle/>
+          <a:p>
+            <a:pPr algn="ctr"/>
+            <a:endParaRPr lang="ko-KR" altLang="en-US"/>
+          </a:p>
+        </p:txBody>
+      </p:sp>
+      <p:sp>
+        <p:nvSpPr>
+          <p:cNvPr id="49" name="직사각형 48"/>
+          <p:cNvSpPr/>
+          <p:nvPr/>
+        </p:nvSpPr>
+        <p:spPr>
+          <a:xfrm>
+            <a:off x="1447801" y="2844922"/>
+            <a:ext cx="1124465" cy="256150"/>
+          </a:xfrm>
+          <a:prstGeom prst="rect">
+            <a:avLst/>
+          </a:prstGeom>
+        </p:spPr>
+        <p:style>
+          <a:lnRef idx="2">
+            <a:schemeClr val="accent1">
+              <a:shade val="50000"/>
+            </a:schemeClr>
+          </a:lnRef>
+          <a:fillRef idx="1">
+            <a:schemeClr val="accent1"/>
+          </a:fillRef>
+          <a:effectRef idx="0">
+            <a:schemeClr val="accent1"/>
+          </a:effectRef>
+          <a:fontRef idx="minor">
+            <a:schemeClr val="lt1"/>
+          </a:fontRef>
+        </p:style>
+        <p:txBody>
+          <a:bodyPr rtlCol="0" anchor="ctr"/>
+          <a:lstStyle/>
+          <a:p>
+            <a:pPr algn="ctr"/>
+            <a:r>
+              <a:rPr lang="en-US" altLang="ko-KR" dirty="0" smtClean="0"/>
+              <a:t>Score 1</a:t>
+            </a:r>
+            <a:endParaRPr lang="ko-KR" altLang="en-US" dirty="0"/>
+          </a:p>
+        </p:txBody>
+      </p:sp>
+      <p:sp>
+        <p:nvSpPr>
+          <p:cNvPr id="50" name="직사각형 49"/>
+          <p:cNvSpPr/>
+          <p:nvPr/>
+        </p:nvSpPr>
+        <p:spPr>
+          <a:xfrm>
+            <a:off x="4269773" y="2853159"/>
+            <a:ext cx="1124465" cy="256150"/>
+          </a:xfrm>
+          <a:prstGeom prst="rect">
+            <a:avLst/>
+          </a:prstGeom>
+        </p:spPr>
+        <p:style>
+          <a:lnRef idx="2">
+            <a:schemeClr val="accent1">
+              <a:shade val="50000"/>
+            </a:schemeClr>
+          </a:lnRef>
+          <a:fillRef idx="1">
+            <a:schemeClr val="accent1"/>
+          </a:fillRef>
+          <a:effectRef idx="0">
+            <a:schemeClr val="accent1"/>
+          </a:effectRef>
+          <a:fontRef idx="minor">
+            <a:schemeClr val="lt1"/>
+          </a:fontRef>
+        </p:style>
+        <p:txBody>
+          <a:bodyPr rtlCol="0" anchor="ctr"/>
+          <a:lstStyle/>
+          <a:p>
+            <a:pPr algn="ctr"/>
+            <a:r>
+              <a:rPr lang="en-US" altLang="ko-KR" dirty="0" smtClean="0"/>
+              <a:t>Score 3</a:t>
+            </a:r>
+            <a:endParaRPr lang="ko-KR" altLang="en-US" dirty="0"/>
+          </a:p>
+        </p:txBody>
+      </p:sp>
+      <p:sp>
+        <p:nvSpPr>
+          <p:cNvPr id="51" name="직사각형 50"/>
+          <p:cNvSpPr/>
+          <p:nvPr/>
+        </p:nvSpPr>
+        <p:spPr>
+          <a:xfrm>
+            <a:off x="2889937" y="2842573"/>
+            <a:ext cx="1124465" cy="256150"/>
+          </a:xfrm>
+          <a:prstGeom prst="rect">
+            <a:avLst/>
+          </a:prstGeom>
+        </p:spPr>
+        <p:style>
+          <a:lnRef idx="2">
+            <a:schemeClr val="accent1">
+              <a:shade val="50000"/>
+            </a:schemeClr>
+          </a:lnRef>
+          <a:fillRef idx="1">
+            <a:schemeClr val="accent1"/>
+          </a:fillRef>
+          <a:effectRef idx="0">
+            <a:schemeClr val="accent1"/>
+          </a:effectRef>
+          <a:fontRef idx="minor">
+            <a:schemeClr val="lt1"/>
+          </a:fontRef>
+        </p:style>
+        <p:txBody>
+          <a:bodyPr rtlCol="0" anchor="ctr"/>
+          <a:lstStyle/>
+          <a:p>
+            <a:pPr algn="ctr"/>
+            <a:r>
+              <a:rPr lang="en-US" altLang="ko-KR" dirty="0" smtClean="0"/>
+              <a:t>Score 2</a:t>
+            </a:r>
+            <a:endParaRPr lang="ko-KR" altLang="en-US" dirty="0"/>
+          </a:p>
+        </p:txBody>
+      </p:sp>
+    </p:spTree>
+    <p:extLst>
+      <p:ext uri="{BB962C8B-B14F-4D97-AF65-F5344CB8AC3E}">
+        <p14:creationId xmlns:p14="http://schemas.microsoft.com/office/powerpoint/2010/main" val="3202350442"/>
+      </p:ext>
+    </p:extLst>
+  </p:cSld>
+  <p:clrMapOvr>
+    <a:masterClrMapping/>
+  </p:clrMapOvr>
+  <p:timing>
+    <p:tnLst>
+      <p:par>
+        <p:cTn id="1" dur="indefinite" restart="never" nodeType="tmRoot"/>
+      </p:par>
+    </p:tnLst>
+  </p:timing>
+</p:sld>
+</file>
+
+<file path=ppt/slides/slide4.xml><?xml version="1.0" encoding="utf-8"?>
+<p:sld xmlns:a="http://schemas.openxmlformats.org/drawingml/2006/main" xmlns:r="http://schemas.openxmlformats.org/officeDocument/2006/relationships" xmlns:p="http://schemas.openxmlformats.org/presentationml/2006/main">
+  <p:cSld>
+    <p:spTree>
+      <p:nvGrpSpPr>
+        <p:cNvPr id="1" name=""/>
+        <p:cNvGrpSpPr/>
+        <p:nvPr/>
+      </p:nvGrpSpPr>
+      <p:grpSpPr>
+        <a:xfrm>
+          <a:off x="0" y="0"/>
+          <a:ext cx="0" cy="0"/>
+          <a:chOff x="0" y="0"/>
+          <a:chExt cx="0" cy="0"/>
+        </a:xfrm>
+      </p:grpSpPr>
+      <p:sp>
+        <p:nvSpPr>
+          <p:cNvPr id="2" name="제목 1"/>
+          <p:cNvSpPr>
+            <a:spLocks noGrp="1"/>
+          </p:cNvSpPr>
+          <p:nvPr>
+            <p:ph type="title"/>
+          </p:nvPr>
+        </p:nvSpPr>
+        <p:spPr/>
+        <p:txBody>
+          <a:bodyPr/>
+          <a:lstStyle/>
+          <a:p>
+            <a:r>
+              <a:rPr lang="en-US" altLang="ko-KR" dirty="0" smtClean="0"/>
               <a:t>Transformer?</a:t>
             </a:r>
             <a:endParaRPr lang="ko-KR" altLang="en-US" dirty="0"/>
@@ -4666,7 +6035,7 @@
         </p:blipFill>
         <p:spPr>
           <a:xfrm>
-            <a:off x="5301049" y="463979"/>
+            <a:off x="5059191" y="463979"/>
             <a:ext cx="6294609" cy="5898247"/>
           </a:xfrm>
           <a:prstGeom prst="rect">
@@ -4678,6 +6047,596 @@
     <p:extLst>
       <p:ext uri="{BB962C8B-B14F-4D97-AF65-F5344CB8AC3E}">
         <p14:creationId xmlns:p14="http://schemas.microsoft.com/office/powerpoint/2010/main" val="646456077"/>
+      </p:ext>
+    </p:extLst>
+  </p:cSld>
+  <p:clrMapOvr>
+    <a:masterClrMapping/>
+  </p:clrMapOvr>
+  <p:timing>
+    <p:tnLst>
+      <p:par>
+        <p:cTn id="1" dur="indefinite" restart="never" nodeType="tmRoot"/>
+      </p:par>
+    </p:tnLst>
+  </p:timing>
+</p:sld>
+</file>
+
+<file path=ppt/slides/slide5.xml><?xml version="1.0" encoding="utf-8"?>
+<p:sld xmlns:a="http://schemas.openxmlformats.org/drawingml/2006/main" xmlns:r="http://schemas.openxmlformats.org/officeDocument/2006/relationships" xmlns:p="http://schemas.openxmlformats.org/presentationml/2006/main">
+  <p:cSld>
+    <p:spTree>
+      <p:nvGrpSpPr>
+        <p:cNvPr id="1" name=""/>
+        <p:cNvGrpSpPr/>
+        <p:nvPr/>
+      </p:nvGrpSpPr>
+      <p:grpSpPr>
+        <a:xfrm>
+          <a:off x="0" y="0"/>
+          <a:ext cx="0" cy="0"/>
+          <a:chOff x="0" y="0"/>
+          <a:chExt cx="0" cy="0"/>
+        </a:xfrm>
+      </p:grpSpPr>
+      <p:sp>
+        <p:nvSpPr>
+          <p:cNvPr id="2" name="제목 1"/>
+          <p:cNvSpPr>
+            <a:spLocks noGrp="1"/>
+          </p:cNvSpPr>
+          <p:nvPr>
+            <p:ph type="title"/>
+          </p:nvPr>
+        </p:nvSpPr>
+        <p:spPr/>
+        <p:txBody>
+          <a:bodyPr/>
+          <a:lstStyle/>
+          <a:p>
+            <a:r>
+              <a:rPr lang="en-US" altLang="ko-KR" dirty="0" smtClean="0"/>
+              <a:t>Self Attention</a:t>
+            </a:r>
+            <a:endParaRPr lang="ko-KR" altLang="en-US" dirty="0"/>
+          </a:p>
+        </p:txBody>
+      </p:sp>
+      <p:sp>
+        <p:nvSpPr>
+          <p:cNvPr id="3" name="내용 개체 틀 2"/>
+          <p:cNvSpPr>
+            <a:spLocks noGrp="1"/>
+          </p:cNvSpPr>
+          <p:nvPr>
+            <p:ph idx="1"/>
+          </p:nvPr>
+        </p:nvSpPr>
+        <p:spPr/>
+        <p:txBody>
+          <a:bodyPr/>
+          <a:lstStyle/>
+          <a:p>
+            <a:pPr marL="0" indent="0">
+              <a:buNone/>
+            </a:pPr>
+            <a:endParaRPr lang="ko-KR" altLang="en-US" dirty="0"/>
+          </a:p>
+        </p:txBody>
+      </p:sp>
+      <p:pic>
+        <p:nvPicPr>
+          <p:cNvPr id="4" name="그림 3"/>
+          <p:cNvPicPr>
+            <a:picLocks noChangeAspect="1"/>
+          </p:cNvPicPr>
+          <p:nvPr/>
+        </p:nvPicPr>
+        <p:blipFill>
+          <a:blip r:embed="rId2"/>
+          <a:stretch>
+            <a:fillRect/>
+          </a:stretch>
+        </p:blipFill>
+        <p:spPr>
+          <a:xfrm>
+            <a:off x="5122346" y="83126"/>
+            <a:ext cx="6497782" cy="6774873"/>
+          </a:xfrm>
+          <a:prstGeom prst="rect">
+            <a:avLst/>
+          </a:prstGeom>
+        </p:spPr>
+      </p:pic>
+      <p:pic>
+        <p:nvPicPr>
+          <p:cNvPr id="5" name="그림 4"/>
+          <p:cNvPicPr>
+            <a:picLocks noChangeAspect="1"/>
+          </p:cNvPicPr>
+          <p:nvPr/>
+        </p:nvPicPr>
+        <p:blipFill>
+          <a:blip r:embed="rId3"/>
+          <a:stretch>
+            <a:fillRect/>
+          </a:stretch>
+        </p:blipFill>
+        <p:spPr>
+          <a:xfrm>
+            <a:off x="604196" y="1746709"/>
+            <a:ext cx="4251822" cy="4509169"/>
+          </a:xfrm>
+          <a:prstGeom prst="rect">
+            <a:avLst/>
+          </a:prstGeom>
+        </p:spPr>
+      </p:pic>
+    </p:spTree>
+    <p:extLst>
+      <p:ext uri="{BB962C8B-B14F-4D97-AF65-F5344CB8AC3E}">
+        <p14:creationId xmlns:p14="http://schemas.microsoft.com/office/powerpoint/2010/main" val="285073118"/>
+      </p:ext>
+    </p:extLst>
+  </p:cSld>
+  <p:clrMapOvr>
+    <a:masterClrMapping/>
+  </p:clrMapOvr>
+  <p:timing>
+    <p:tnLst>
+      <p:par>
+        <p:cTn id="1" dur="indefinite" restart="never" nodeType="tmRoot"/>
+      </p:par>
+    </p:tnLst>
+  </p:timing>
+</p:sld>
+</file>
+
+<file path=ppt/slides/slide6.xml><?xml version="1.0" encoding="utf-8"?>
+<p:sld xmlns:a="http://schemas.openxmlformats.org/drawingml/2006/main" xmlns:r="http://schemas.openxmlformats.org/officeDocument/2006/relationships" xmlns:p="http://schemas.openxmlformats.org/presentationml/2006/main">
+  <p:cSld>
+    <p:spTree>
+      <p:nvGrpSpPr>
+        <p:cNvPr id="1" name=""/>
+        <p:cNvGrpSpPr/>
+        <p:nvPr/>
+      </p:nvGrpSpPr>
+      <p:grpSpPr>
+        <a:xfrm>
+          <a:off x="0" y="0"/>
+          <a:ext cx="0" cy="0"/>
+          <a:chOff x="0" y="0"/>
+          <a:chExt cx="0" cy="0"/>
+        </a:xfrm>
+      </p:grpSpPr>
+      <p:sp>
+        <p:nvSpPr>
+          <p:cNvPr id="2" name="제목 1"/>
+          <p:cNvSpPr>
+            <a:spLocks noGrp="1"/>
+          </p:cNvSpPr>
+          <p:nvPr>
+            <p:ph type="title"/>
+          </p:nvPr>
+        </p:nvSpPr>
+        <p:spPr/>
+        <p:txBody>
+          <a:bodyPr/>
+          <a:lstStyle/>
+          <a:p>
+            <a:r>
+              <a:rPr lang="en-US" altLang="ko-KR" dirty="0" smtClean="0"/>
+              <a:t>Multi-head Attention</a:t>
+            </a:r>
+            <a:endParaRPr lang="ko-KR" altLang="en-US" dirty="0"/>
+          </a:p>
+        </p:txBody>
+      </p:sp>
+      <p:sp>
+        <p:nvSpPr>
+          <p:cNvPr id="3" name="내용 개체 틀 2"/>
+          <p:cNvSpPr>
+            <a:spLocks noGrp="1"/>
+          </p:cNvSpPr>
+          <p:nvPr>
+            <p:ph idx="1"/>
+          </p:nvPr>
+        </p:nvSpPr>
+        <p:spPr/>
+        <p:txBody>
+          <a:bodyPr/>
+          <a:lstStyle/>
+          <a:p>
+            <a:endParaRPr lang="ko-KR" altLang="en-US"/>
+          </a:p>
+        </p:txBody>
+      </p:sp>
+      <p:pic>
+        <p:nvPicPr>
+          <p:cNvPr id="4" name="그림 3"/>
+          <p:cNvPicPr>
+            <a:picLocks noChangeAspect="1"/>
+          </p:cNvPicPr>
+          <p:nvPr/>
+        </p:nvPicPr>
+        <p:blipFill>
+          <a:blip r:embed="rId2"/>
+          <a:stretch>
+            <a:fillRect/>
+          </a:stretch>
+        </p:blipFill>
+        <p:spPr>
+          <a:xfrm>
+            <a:off x="1396835" y="1533469"/>
+            <a:ext cx="9398330" cy="4935649"/>
+          </a:xfrm>
+          <a:prstGeom prst="rect">
+            <a:avLst/>
+          </a:prstGeom>
+        </p:spPr>
+      </p:pic>
+    </p:spTree>
+    <p:extLst>
+      <p:ext uri="{BB962C8B-B14F-4D97-AF65-F5344CB8AC3E}">
+        <p14:creationId xmlns:p14="http://schemas.microsoft.com/office/powerpoint/2010/main" val="3291014634"/>
+      </p:ext>
+    </p:extLst>
+  </p:cSld>
+  <p:clrMapOvr>
+    <a:masterClrMapping/>
+  </p:clrMapOvr>
+  <p:timing>
+    <p:tnLst>
+      <p:par>
+        <p:cTn id="1" dur="indefinite" restart="never" nodeType="tmRoot"/>
+      </p:par>
+    </p:tnLst>
+  </p:timing>
+</p:sld>
+</file>
+
+<file path=ppt/slides/slide7.xml><?xml version="1.0" encoding="utf-8"?>
+<p:sld xmlns:a="http://schemas.openxmlformats.org/drawingml/2006/main" xmlns:r="http://schemas.openxmlformats.org/officeDocument/2006/relationships" xmlns:p="http://schemas.openxmlformats.org/presentationml/2006/main">
+  <p:cSld>
+    <p:spTree>
+      <p:nvGrpSpPr>
+        <p:cNvPr id="1" name=""/>
+        <p:cNvGrpSpPr/>
+        <p:nvPr/>
+      </p:nvGrpSpPr>
+      <p:grpSpPr>
+        <a:xfrm>
+          <a:off x="0" y="0"/>
+          <a:ext cx="0" cy="0"/>
+          <a:chOff x="0" y="0"/>
+          <a:chExt cx="0" cy="0"/>
+        </a:xfrm>
+      </p:grpSpPr>
+      <p:sp>
+        <p:nvSpPr>
+          <p:cNvPr id="2" name="제목 1"/>
+          <p:cNvSpPr>
+            <a:spLocks noGrp="1"/>
+          </p:cNvSpPr>
+          <p:nvPr>
+            <p:ph type="title"/>
+          </p:nvPr>
+        </p:nvSpPr>
+        <p:spPr/>
+        <p:txBody>
+          <a:bodyPr/>
+          <a:lstStyle/>
+          <a:p>
+            <a:r>
+              <a:rPr lang="en-US" altLang="ko-KR" dirty="0" smtClean="0"/>
+              <a:t>Positional encoding</a:t>
+            </a:r>
+            <a:endParaRPr lang="ko-KR" altLang="en-US" dirty="0"/>
+          </a:p>
+        </p:txBody>
+      </p:sp>
+      <p:sp>
+        <p:nvSpPr>
+          <p:cNvPr id="3" name="내용 개체 틀 2"/>
+          <p:cNvSpPr>
+            <a:spLocks noGrp="1"/>
+          </p:cNvSpPr>
+          <p:nvPr>
+            <p:ph idx="1"/>
+          </p:nvPr>
+        </p:nvSpPr>
+        <p:spPr/>
+        <p:txBody>
+          <a:bodyPr/>
+          <a:lstStyle/>
+          <a:p>
+            <a:endParaRPr lang="ko-KR" altLang="en-US" dirty="0"/>
+          </a:p>
+        </p:txBody>
+      </p:sp>
+      <p:pic>
+        <p:nvPicPr>
+          <p:cNvPr id="4" name="그림 3"/>
+          <p:cNvPicPr>
+            <a:picLocks noChangeAspect="1"/>
+          </p:cNvPicPr>
+          <p:nvPr/>
+        </p:nvPicPr>
+        <p:blipFill>
+          <a:blip r:embed="rId2"/>
+          <a:stretch>
+            <a:fillRect/>
+          </a:stretch>
+        </p:blipFill>
+        <p:spPr>
+          <a:xfrm>
+            <a:off x="3905250" y="5210094"/>
+            <a:ext cx="4381500" cy="1038225"/>
+          </a:xfrm>
+          <a:prstGeom prst="rect">
+            <a:avLst/>
+          </a:prstGeom>
+        </p:spPr>
+      </p:pic>
+      <p:pic>
+        <p:nvPicPr>
+          <p:cNvPr id="5" name="그림 4"/>
+          <p:cNvPicPr>
+            <a:picLocks noChangeAspect="1"/>
+          </p:cNvPicPr>
+          <p:nvPr/>
+        </p:nvPicPr>
+        <p:blipFill>
+          <a:blip r:embed="rId3"/>
+          <a:stretch>
+            <a:fillRect/>
+          </a:stretch>
+        </p:blipFill>
+        <p:spPr>
+          <a:xfrm>
+            <a:off x="247650" y="1813750"/>
+            <a:ext cx="11696700" cy="3019425"/>
+          </a:xfrm>
+          <a:prstGeom prst="rect">
+            <a:avLst/>
+          </a:prstGeom>
+        </p:spPr>
+      </p:pic>
+    </p:spTree>
+    <p:extLst>
+      <p:ext uri="{BB962C8B-B14F-4D97-AF65-F5344CB8AC3E}">
+        <p14:creationId xmlns:p14="http://schemas.microsoft.com/office/powerpoint/2010/main" val="2652174331"/>
+      </p:ext>
+    </p:extLst>
+  </p:cSld>
+  <p:clrMapOvr>
+    <a:masterClrMapping/>
+  </p:clrMapOvr>
+  <p:timing>
+    <p:tnLst>
+      <p:par>
+        <p:cTn id="1" dur="indefinite" restart="never" nodeType="tmRoot"/>
+      </p:par>
+    </p:tnLst>
+  </p:timing>
+</p:sld>
+</file>
+
+<file path=ppt/slides/slide8.xml><?xml version="1.0" encoding="utf-8"?>
+<p:sld xmlns:a="http://schemas.openxmlformats.org/drawingml/2006/main" xmlns:r="http://schemas.openxmlformats.org/officeDocument/2006/relationships" xmlns:p="http://schemas.openxmlformats.org/presentationml/2006/main">
+  <p:cSld>
+    <p:spTree>
+      <p:nvGrpSpPr>
+        <p:cNvPr id="1" name=""/>
+        <p:cNvGrpSpPr/>
+        <p:nvPr/>
+      </p:nvGrpSpPr>
+      <p:grpSpPr>
+        <a:xfrm>
+          <a:off x="0" y="0"/>
+          <a:ext cx="0" cy="0"/>
+          <a:chOff x="0" y="0"/>
+          <a:chExt cx="0" cy="0"/>
+        </a:xfrm>
+      </p:grpSpPr>
+      <p:sp>
+        <p:nvSpPr>
+          <p:cNvPr id="2" name="제목 1"/>
+          <p:cNvSpPr>
+            <a:spLocks noGrp="1"/>
+          </p:cNvSpPr>
+          <p:nvPr>
+            <p:ph type="title"/>
+          </p:nvPr>
+        </p:nvSpPr>
+        <p:spPr/>
+        <p:txBody>
+          <a:bodyPr/>
+          <a:lstStyle/>
+          <a:p>
+            <a:r>
+              <a:rPr lang="en-US" altLang="ko-KR" dirty="0" smtClean="0"/>
+              <a:t>Positional encoding</a:t>
+            </a:r>
+            <a:endParaRPr lang="ko-KR" altLang="en-US" dirty="0"/>
+          </a:p>
+        </p:txBody>
+      </p:sp>
+      <p:sp>
+        <p:nvSpPr>
+          <p:cNvPr id="3" name="내용 개체 틀 2"/>
+          <p:cNvSpPr>
+            <a:spLocks noGrp="1"/>
+          </p:cNvSpPr>
+          <p:nvPr>
+            <p:ph idx="1"/>
+          </p:nvPr>
+        </p:nvSpPr>
+        <p:spPr/>
+        <p:txBody>
+          <a:bodyPr/>
+          <a:lstStyle/>
+          <a:p>
+            <a:endParaRPr lang="ko-KR" altLang="en-US"/>
+          </a:p>
+        </p:txBody>
+      </p:sp>
+      <p:pic>
+        <p:nvPicPr>
+          <p:cNvPr id="4" name="그림 3"/>
+          <p:cNvPicPr>
+            <a:picLocks noChangeAspect="1"/>
+          </p:cNvPicPr>
+          <p:nvPr/>
+        </p:nvPicPr>
+        <p:blipFill>
+          <a:blip r:embed="rId2"/>
+          <a:stretch>
+            <a:fillRect/>
+          </a:stretch>
+        </p:blipFill>
+        <p:spPr>
+          <a:xfrm>
+            <a:off x="1915607" y="1825625"/>
+            <a:ext cx="8360785" cy="4849099"/>
+          </a:xfrm>
+          <a:prstGeom prst="rect">
+            <a:avLst/>
+          </a:prstGeom>
+        </p:spPr>
+      </p:pic>
+    </p:spTree>
+    <p:extLst>
+      <p:ext uri="{BB962C8B-B14F-4D97-AF65-F5344CB8AC3E}">
+        <p14:creationId xmlns:p14="http://schemas.microsoft.com/office/powerpoint/2010/main" val="1935153860"/>
+      </p:ext>
+    </p:extLst>
+  </p:cSld>
+  <p:clrMapOvr>
+    <a:masterClrMapping/>
+  </p:clrMapOvr>
+  <p:timing>
+    <p:tnLst>
+      <p:par>
+        <p:cTn id="1" dur="indefinite" restart="never" nodeType="tmRoot"/>
+      </p:par>
+    </p:tnLst>
+  </p:timing>
+</p:sld>
+</file>
+
+<file path=ppt/slides/slide9.xml><?xml version="1.0" encoding="utf-8"?>
+<p:sld xmlns:a="http://schemas.openxmlformats.org/drawingml/2006/main" xmlns:r="http://schemas.openxmlformats.org/officeDocument/2006/relationships" xmlns:p="http://schemas.openxmlformats.org/presentationml/2006/main">
+  <p:cSld>
+    <p:spTree>
+      <p:nvGrpSpPr>
+        <p:cNvPr id="1" name=""/>
+        <p:cNvGrpSpPr/>
+        <p:nvPr/>
+      </p:nvGrpSpPr>
+      <p:grpSpPr>
+        <a:xfrm>
+          <a:off x="0" y="0"/>
+          <a:ext cx="0" cy="0"/>
+          <a:chOff x="0" y="0"/>
+          <a:chExt cx="0" cy="0"/>
+        </a:xfrm>
+      </p:grpSpPr>
+      <p:sp>
+        <p:nvSpPr>
+          <p:cNvPr id="2" name="제목 1"/>
+          <p:cNvSpPr>
+            <a:spLocks noGrp="1"/>
+          </p:cNvSpPr>
+          <p:nvPr>
+            <p:ph type="title"/>
+          </p:nvPr>
+        </p:nvSpPr>
+        <p:spPr/>
+        <p:txBody>
+          <a:bodyPr/>
+          <a:lstStyle/>
+          <a:p>
+            <a:r>
+              <a:rPr lang="en-US" altLang="ko-KR" dirty="0" smtClean="0"/>
+              <a:t>Encoding steps</a:t>
+            </a:r>
+            <a:endParaRPr lang="ko-KR" altLang="en-US" dirty="0"/>
+          </a:p>
+        </p:txBody>
+      </p:sp>
+      <p:sp>
+        <p:nvSpPr>
+          <p:cNvPr id="3" name="내용 개체 틀 2"/>
+          <p:cNvSpPr>
+            <a:spLocks noGrp="1"/>
+          </p:cNvSpPr>
+          <p:nvPr>
+            <p:ph idx="1"/>
+          </p:nvPr>
+        </p:nvSpPr>
+        <p:spPr/>
+        <p:txBody>
+          <a:bodyPr/>
+          <a:lstStyle/>
+          <a:p>
+            <a:endParaRPr lang="ko-KR" altLang="en-US" dirty="0"/>
+          </a:p>
+        </p:txBody>
+      </p:sp>
+      <p:pic>
+        <p:nvPicPr>
+          <p:cNvPr id="4" name="그림 3"/>
+          <p:cNvPicPr>
+            <a:picLocks noChangeAspect="1"/>
+          </p:cNvPicPr>
+          <p:nvPr/>
+        </p:nvPicPr>
+        <p:blipFill>
+          <a:blip r:embed="rId2"/>
+          <a:stretch>
+            <a:fillRect/>
+          </a:stretch>
+        </p:blipFill>
+        <p:spPr>
+          <a:xfrm>
+            <a:off x="434470" y="1398500"/>
+            <a:ext cx="2749075" cy="4983807"/>
+          </a:xfrm>
+          <a:prstGeom prst="rect">
+            <a:avLst/>
+          </a:prstGeom>
+        </p:spPr>
+      </p:pic>
+      <p:pic>
+        <p:nvPicPr>
+          <p:cNvPr id="5" name="그림 4"/>
+          <p:cNvPicPr>
+            <a:picLocks noChangeAspect="1"/>
+          </p:cNvPicPr>
+          <p:nvPr/>
+        </p:nvPicPr>
+        <p:blipFill>
+          <a:blip r:embed="rId3"/>
+          <a:stretch>
+            <a:fillRect/>
+          </a:stretch>
+        </p:blipFill>
+        <p:spPr>
+          <a:xfrm>
+            <a:off x="4844167" y="484099"/>
+            <a:ext cx="7044888" cy="6040525"/>
+          </a:xfrm>
+          <a:prstGeom prst="rect">
+            <a:avLst/>
+          </a:prstGeom>
+        </p:spPr>
+      </p:pic>
+    </p:spTree>
+    <p:extLst>
+      <p:ext uri="{BB962C8B-B14F-4D97-AF65-F5344CB8AC3E}">
+        <p14:creationId xmlns:p14="http://schemas.microsoft.com/office/powerpoint/2010/main" val="1676382358"/>
       </p:ext>
     </p:extLst>
   </p:cSld>

--- a/Transformer/Attention is all you need.pptx
+++ b/Transformer/Attention is all you need.pptx
@@ -15,6 +15,8 @@
     <p:sldId id="264" r:id="rId9"/>
     <p:sldId id="265" r:id="rId10"/>
     <p:sldId id="266" r:id="rId11"/>
+    <p:sldId id="267" r:id="rId12"/>
+    <p:sldId id="268" r:id="rId13"/>
   </p:sldIdLst>
   <p:sldSz cx="12192000" cy="6858000"/>
   <p:notesSz cx="6858000" cy="9144000"/>
@@ -252,7 +254,7 @@
           <a:p>
             <a:fld id="{39467189-D38E-498B-86FA-6DBB4E8ABBFD}" type="datetimeFigureOut">
               <a:rPr lang="ko-KR" altLang="en-US" smtClean="0"/>
-              <a:t>2021-03-21</a:t>
+              <a:t>2021-03-23</a:t>
             </a:fld>
             <a:endParaRPr lang="ko-KR" altLang="en-US"/>
           </a:p>
@@ -422,7 +424,7 @@
           <a:p>
             <a:fld id="{39467189-D38E-498B-86FA-6DBB4E8ABBFD}" type="datetimeFigureOut">
               <a:rPr lang="ko-KR" altLang="en-US" smtClean="0"/>
-              <a:t>2021-03-21</a:t>
+              <a:t>2021-03-23</a:t>
             </a:fld>
             <a:endParaRPr lang="ko-KR" altLang="en-US"/>
           </a:p>
@@ -602,7 +604,7 @@
           <a:p>
             <a:fld id="{39467189-D38E-498B-86FA-6DBB4E8ABBFD}" type="datetimeFigureOut">
               <a:rPr lang="ko-KR" altLang="en-US" smtClean="0"/>
-              <a:t>2021-03-21</a:t>
+              <a:t>2021-03-23</a:t>
             </a:fld>
             <a:endParaRPr lang="ko-KR" altLang="en-US"/>
           </a:p>
@@ -772,7 +774,7 @@
           <a:p>
             <a:fld id="{39467189-D38E-498B-86FA-6DBB4E8ABBFD}" type="datetimeFigureOut">
               <a:rPr lang="ko-KR" altLang="en-US" smtClean="0"/>
-              <a:t>2021-03-21</a:t>
+              <a:t>2021-03-23</a:t>
             </a:fld>
             <a:endParaRPr lang="ko-KR" altLang="en-US"/>
           </a:p>
@@ -1018,7 +1020,7 @@
           <a:p>
             <a:fld id="{39467189-D38E-498B-86FA-6DBB4E8ABBFD}" type="datetimeFigureOut">
               <a:rPr lang="ko-KR" altLang="en-US" smtClean="0"/>
-              <a:t>2021-03-21</a:t>
+              <a:t>2021-03-23</a:t>
             </a:fld>
             <a:endParaRPr lang="ko-KR" altLang="en-US"/>
           </a:p>
@@ -1250,7 +1252,7 @@
           <a:p>
             <a:fld id="{39467189-D38E-498B-86FA-6DBB4E8ABBFD}" type="datetimeFigureOut">
               <a:rPr lang="ko-KR" altLang="en-US" smtClean="0"/>
-              <a:t>2021-03-21</a:t>
+              <a:t>2021-03-23</a:t>
             </a:fld>
             <a:endParaRPr lang="ko-KR" altLang="en-US"/>
           </a:p>
@@ -1617,7 +1619,7 @@
           <a:p>
             <a:fld id="{39467189-D38E-498B-86FA-6DBB4E8ABBFD}" type="datetimeFigureOut">
               <a:rPr lang="ko-KR" altLang="en-US" smtClean="0"/>
-              <a:t>2021-03-21</a:t>
+              <a:t>2021-03-23</a:t>
             </a:fld>
             <a:endParaRPr lang="ko-KR" altLang="en-US"/>
           </a:p>
@@ -1735,7 +1737,7 @@
           <a:p>
             <a:fld id="{39467189-D38E-498B-86FA-6DBB4E8ABBFD}" type="datetimeFigureOut">
               <a:rPr lang="ko-KR" altLang="en-US" smtClean="0"/>
-              <a:t>2021-03-21</a:t>
+              <a:t>2021-03-23</a:t>
             </a:fld>
             <a:endParaRPr lang="ko-KR" altLang="en-US"/>
           </a:p>
@@ -1830,7 +1832,7 @@
           <a:p>
             <a:fld id="{39467189-D38E-498B-86FA-6DBB4E8ABBFD}" type="datetimeFigureOut">
               <a:rPr lang="ko-KR" altLang="en-US" smtClean="0"/>
-              <a:t>2021-03-21</a:t>
+              <a:t>2021-03-23</a:t>
             </a:fld>
             <a:endParaRPr lang="ko-KR" altLang="en-US"/>
           </a:p>
@@ -2107,7 +2109,7 @@
           <a:p>
             <a:fld id="{39467189-D38E-498B-86FA-6DBB4E8ABBFD}" type="datetimeFigureOut">
               <a:rPr lang="ko-KR" altLang="en-US" smtClean="0"/>
-              <a:t>2021-03-21</a:t>
+              <a:t>2021-03-23</a:t>
             </a:fld>
             <a:endParaRPr lang="ko-KR" altLang="en-US"/>
           </a:p>
@@ -2360,7 +2362,7 @@
           <a:p>
             <a:fld id="{39467189-D38E-498B-86FA-6DBB4E8ABBFD}" type="datetimeFigureOut">
               <a:rPr lang="ko-KR" altLang="en-US" smtClean="0"/>
-              <a:t>2021-03-21</a:t>
+              <a:t>2021-03-23</a:t>
             </a:fld>
             <a:endParaRPr lang="ko-KR" altLang="en-US"/>
           </a:p>
@@ -2573,7 +2575,7 @@
           <a:p>
             <a:fld id="{39467189-D38E-498B-86FA-6DBB4E8ABBFD}" type="datetimeFigureOut">
               <a:rPr lang="ko-KR" altLang="en-US" smtClean="0"/>
-              <a:t>2021-03-21</a:t>
+              <a:t>2021-03-23</a:t>
             </a:fld>
             <a:endParaRPr lang="ko-KR" altLang="en-US"/>
           </a:p>
@@ -3229,6 +3231,208 @@
 </p:sld>
 </file>
 
+<file path=ppt/slides/slide11.xml><?xml version="1.0" encoding="utf-8"?>
+<p:sld xmlns:a="http://schemas.openxmlformats.org/drawingml/2006/main" xmlns:r="http://schemas.openxmlformats.org/officeDocument/2006/relationships" xmlns:p="http://schemas.openxmlformats.org/presentationml/2006/main">
+  <p:cSld>
+    <p:spTree>
+      <p:nvGrpSpPr>
+        <p:cNvPr id="1" name=""/>
+        <p:cNvGrpSpPr/>
+        <p:nvPr/>
+      </p:nvGrpSpPr>
+      <p:grpSpPr>
+        <a:xfrm>
+          <a:off x="0" y="0"/>
+          <a:ext cx="0" cy="0"/>
+          <a:chOff x="0" y="0"/>
+          <a:chExt cx="0" cy="0"/>
+        </a:xfrm>
+      </p:grpSpPr>
+      <p:sp>
+        <p:nvSpPr>
+          <p:cNvPr id="2" name="제목 1"/>
+          <p:cNvSpPr>
+            <a:spLocks noGrp="1"/>
+          </p:cNvSpPr>
+          <p:nvPr>
+            <p:ph type="title"/>
+          </p:nvPr>
+        </p:nvSpPr>
+        <p:spPr/>
+        <p:txBody>
+          <a:bodyPr/>
+          <a:lstStyle/>
+          <a:p>
+            <a:r>
+              <a:rPr lang="en-US" altLang="ko-KR" dirty="0" smtClean="0"/>
+              <a:t>Decoder’s self attention</a:t>
+            </a:r>
+            <a:endParaRPr lang="ko-KR" altLang="en-US" dirty="0"/>
+          </a:p>
+        </p:txBody>
+      </p:sp>
+      <p:sp>
+        <p:nvSpPr>
+          <p:cNvPr id="3" name="내용 개체 틀 2"/>
+          <p:cNvSpPr>
+            <a:spLocks noGrp="1"/>
+          </p:cNvSpPr>
+          <p:nvPr>
+            <p:ph idx="1"/>
+          </p:nvPr>
+        </p:nvSpPr>
+        <p:spPr/>
+        <p:txBody>
+          <a:bodyPr/>
+          <a:lstStyle/>
+          <a:p>
+            <a:r>
+              <a:rPr lang="en-US" altLang="ko-KR" dirty="0" smtClean="0"/>
+              <a:t>Masked multi-head attention</a:t>
+            </a:r>
+          </a:p>
+          <a:p>
+            <a:r>
+              <a:rPr lang="en-US" altLang="ko-KR" dirty="0" smtClean="0"/>
+              <a:t>Teacher forcing</a:t>
+            </a:r>
+            <a:endParaRPr lang="ko-KR" altLang="en-US" dirty="0"/>
+          </a:p>
+        </p:txBody>
+      </p:sp>
+      <p:pic>
+        <p:nvPicPr>
+          <p:cNvPr id="4" name="그림 3"/>
+          <p:cNvPicPr>
+            <a:picLocks noChangeAspect="1"/>
+          </p:cNvPicPr>
+          <p:nvPr/>
+        </p:nvPicPr>
+        <p:blipFill>
+          <a:blip r:embed="rId2"/>
+          <a:stretch>
+            <a:fillRect/>
+          </a:stretch>
+        </p:blipFill>
+        <p:spPr>
+          <a:xfrm>
+            <a:off x="6769629" y="2244333"/>
+            <a:ext cx="4417917" cy="3513921"/>
+          </a:xfrm>
+          <a:prstGeom prst="rect">
+            <a:avLst/>
+          </a:prstGeom>
+        </p:spPr>
+      </p:pic>
+    </p:spTree>
+    <p:extLst>
+      <p:ext uri="{BB962C8B-B14F-4D97-AF65-F5344CB8AC3E}">
+        <p14:creationId xmlns:p14="http://schemas.microsoft.com/office/powerpoint/2010/main" val="2949531720"/>
+      </p:ext>
+    </p:extLst>
+  </p:cSld>
+  <p:clrMapOvr>
+    <a:masterClrMapping/>
+  </p:clrMapOvr>
+</p:sld>
+</file>
+
+<file path=ppt/slides/slide12.xml><?xml version="1.0" encoding="utf-8"?>
+<p:sld xmlns:a="http://schemas.openxmlformats.org/drawingml/2006/main" xmlns:r="http://schemas.openxmlformats.org/officeDocument/2006/relationships" xmlns:p="http://schemas.openxmlformats.org/presentationml/2006/main">
+  <p:cSld>
+    <p:spTree>
+      <p:nvGrpSpPr>
+        <p:cNvPr id="1" name=""/>
+        <p:cNvGrpSpPr/>
+        <p:nvPr/>
+      </p:nvGrpSpPr>
+      <p:grpSpPr>
+        <a:xfrm>
+          <a:off x="0" y="0"/>
+          <a:ext cx="0" cy="0"/>
+          <a:chOff x="0" y="0"/>
+          <a:chExt cx="0" cy="0"/>
+        </a:xfrm>
+      </p:grpSpPr>
+      <p:sp>
+        <p:nvSpPr>
+          <p:cNvPr id="2" name="제목 1"/>
+          <p:cNvSpPr>
+            <a:spLocks noGrp="1"/>
+          </p:cNvSpPr>
+          <p:nvPr>
+            <p:ph type="title"/>
+          </p:nvPr>
+        </p:nvSpPr>
+        <p:spPr/>
+        <p:txBody>
+          <a:bodyPr/>
+          <a:lstStyle/>
+          <a:p>
+            <a:r>
+              <a:rPr lang="en-US" altLang="ko-KR" dirty="0" smtClean="0"/>
+              <a:t>Results </a:t>
+            </a:r>
+            <a:endParaRPr lang="ko-KR" altLang="en-US" dirty="0"/>
+          </a:p>
+        </p:txBody>
+      </p:sp>
+      <p:sp>
+        <p:nvSpPr>
+          <p:cNvPr id="3" name="내용 개체 틀 2"/>
+          <p:cNvSpPr>
+            <a:spLocks noGrp="1"/>
+          </p:cNvSpPr>
+          <p:nvPr>
+            <p:ph idx="1"/>
+          </p:nvPr>
+        </p:nvSpPr>
+        <p:spPr/>
+        <p:txBody>
+          <a:bodyPr/>
+          <a:lstStyle/>
+          <a:p>
+            <a:endParaRPr lang="ko-KR" altLang="en-US"/>
+          </a:p>
+        </p:txBody>
+      </p:sp>
+      <p:pic>
+        <p:nvPicPr>
+          <p:cNvPr id="4" name="그림 3"/>
+          <p:cNvPicPr>
+            <a:picLocks noChangeAspect="1"/>
+          </p:cNvPicPr>
+          <p:nvPr/>
+        </p:nvPicPr>
+        <p:blipFill>
+          <a:blip r:embed="rId2"/>
+          <a:stretch>
+            <a:fillRect/>
+          </a:stretch>
+        </p:blipFill>
+        <p:spPr>
+          <a:xfrm>
+            <a:off x="1426276" y="1886946"/>
+            <a:ext cx="9339448" cy="4228695"/>
+          </a:xfrm>
+          <a:prstGeom prst="rect">
+            <a:avLst/>
+          </a:prstGeom>
+        </p:spPr>
+      </p:pic>
+    </p:spTree>
+    <p:extLst>
+      <p:ext uri="{BB962C8B-B14F-4D97-AF65-F5344CB8AC3E}">
+        <p14:creationId xmlns:p14="http://schemas.microsoft.com/office/powerpoint/2010/main" val="3988272153"/>
+      </p:ext>
+    </p:extLst>
+  </p:cSld>
+  <p:clrMapOvr>
+    <a:masterClrMapping/>
+  </p:clrMapOvr>
+</p:sld>
+</file>
+
 <file path=ppt/slides/slide2.xml><?xml version="1.0" encoding="utf-8"?>
 <p:sld xmlns:a="http://schemas.openxmlformats.org/drawingml/2006/main" xmlns:r="http://schemas.openxmlformats.org/officeDocument/2006/relationships" xmlns:p="http://schemas.openxmlformats.org/presentationml/2006/main">
   <p:cSld>
@@ -3293,7 +3497,6 @@
               <a:rPr lang="en-US" altLang="ko-KR" dirty="0" smtClean="0"/>
               <a:t>RNN</a:t>
             </a:r>
-            <a:endParaRPr lang="en-US" altLang="ko-KR" dirty="0" smtClean="0"/>
           </a:p>
           <a:p>
             <a:endParaRPr lang="en-US" altLang="ko-KR" dirty="0"/>
